--- a/project03 화면설계서/project03 - 화면 설계서 - 기범.pptx
+++ b/project03 화면설계서/project03 - 화면 설계서 - 기범.pptx
@@ -5,11 +5,12 @@
     <p:sldMasterId id="2147483648" r:id="rId1"/>
   </p:sldMasterIdLst>
   <p:notesMasterIdLst>
-    <p:notesMasterId r:id="rId4"/>
+    <p:notesMasterId r:id="rId5"/>
   </p:notesMasterIdLst>
   <p:sldIdLst>
     <p:sldId id="256" r:id="rId2"/>
     <p:sldId id="258" r:id="rId3"/>
+    <p:sldId id="259" r:id="rId4"/>
   </p:sldIdLst>
   <p:sldSz cx="12192000" cy="6858000"/>
   <p:notesSz cx="6858000" cy="9144000"/>
@@ -108,6 +109,22 @@
       </a:defRPr>
     </a:lvl9pPr>
   </p:defaultTextStyle>
+  <p:extLst>
+    <p:ext uri="{EFAFB233-063F-42B5-8137-9DF3F51BA10A}">
+      <p15:sldGuideLst xmlns:p15="http://schemas.microsoft.com/office/powerpoint/2012/main">
+        <p15:guide id="1" orient="horz" pos="2160">
+          <p15:clr>
+            <a:srgbClr val="A4A3A4"/>
+          </p15:clr>
+        </p15:guide>
+        <p15:guide id="2" pos="3840">
+          <p15:clr>
+            <a:srgbClr val="A4A3A4"/>
+          </p15:clr>
+        </p15:guide>
+      </p15:sldGuideLst>
+    </p:ext>
+  </p:extLst>
 </p:presentation>
 </file>
 
@@ -579,6 +596,133 @@
     <p:extLst>
       <p:ext uri="{BB962C8B-B14F-4D97-AF65-F5344CB8AC3E}">
         <p14:creationId xmlns:p14="http://schemas.microsoft.com/office/powerpoint/2010/main" val="347227162"/>
+      </p:ext>
+    </p:extLst>
+  </p:cSld>
+  <p:clrMapOvr>
+    <a:masterClrMapping/>
+  </p:clrMapOvr>
+</p:notes>
+</file>
+
+<file path=ppt/notesSlides/notesSlide2.xml><?xml version="1.0" encoding="utf-8"?>
+<p:notes xmlns:a="http://schemas.openxmlformats.org/drawingml/2006/main" xmlns:r="http://schemas.openxmlformats.org/officeDocument/2006/relationships" xmlns:p="http://schemas.openxmlformats.org/presentationml/2006/main" showMasterSp="0" showMasterPhAnim="0">
+  <p:cSld>
+    <p:spTree>
+      <p:nvGrpSpPr>
+        <p:cNvPr id="1" name="Shape 160"/>
+        <p:cNvGrpSpPr/>
+        <p:nvPr/>
+      </p:nvGrpSpPr>
+      <p:grpSpPr>
+        <a:xfrm>
+          <a:off x="0" y="0"/>
+          <a:ext cx="0" cy="0"/>
+          <a:chOff x="0" y="0"/>
+          <a:chExt cx="0" cy="0"/>
+        </a:xfrm>
+      </p:grpSpPr>
+      <p:sp>
+        <p:nvSpPr>
+          <p:cNvPr id="161" name="Google Shape;161;g7c553259d1_0_81:notes"/>
+          <p:cNvSpPr txBox="1">
+            <a:spLocks noGrp="1"/>
+          </p:cNvSpPr>
+          <p:nvPr>
+            <p:ph type="body" idx="1"/>
+          </p:nvPr>
+        </p:nvSpPr>
+        <p:spPr>
+          <a:xfrm>
+            <a:off x="685800" y="4343400"/>
+            <a:ext cx="5486400" cy="4114800"/>
+          </a:xfrm>
+          <a:prstGeom prst="rect">
+            <a:avLst/>
+          </a:prstGeom>
+          <a:noFill/>
+          <a:ln>
+            <a:noFill/>
+          </a:ln>
+        </p:spPr>
+        <p:txBody>
+          <a:bodyPr spcFirstLastPara="1" wrap="square" lIns="91425" tIns="91425" rIns="91425" bIns="91425" anchor="t" anchorCtr="0">
+            <a:noAutofit/>
+          </a:bodyPr>
+          <a:lstStyle/>
+          <a:p>
+            <a:pPr marL="0" lvl="0" indent="0" algn="l" rtl="0">
+              <a:lnSpc>
+                <a:spcPct val="100000"/>
+              </a:lnSpc>
+              <a:spcBef>
+                <a:spcPts val="0"/>
+              </a:spcBef>
+              <a:spcAft>
+                <a:spcPts val="0"/>
+              </a:spcAft>
+              <a:buSzPts val="1100"/>
+              <a:buNone/>
+            </a:pPr>
+            <a:endParaRPr/>
+          </a:p>
+        </p:txBody>
+      </p:sp>
+      <p:sp>
+        <p:nvSpPr>
+          <p:cNvPr id="162" name="Google Shape;162;g7c553259d1_0_81:notes"/>
+          <p:cNvSpPr>
+            <a:spLocks noGrp="1" noRot="1" noChangeAspect="1"/>
+          </p:cNvSpPr>
+          <p:nvPr>
+            <p:ph type="sldImg" idx="2"/>
+          </p:nvPr>
+        </p:nvSpPr>
+        <p:spPr>
+          <a:xfrm>
+            <a:off x="381000" y="685800"/>
+            <a:ext cx="6096000" cy="3429000"/>
+          </a:xfrm>
+          <a:custGeom>
+            <a:avLst/>
+            <a:gdLst/>
+            <a:ahLst/>
+            <a:cxnLst/>
+            <a:rect l="l" t="t" r="r" b="b"/>
+            <a:pathLst>
+              <a:path w="120000" h="120000" extrusionOk="0">
+                <a:moveTo>
+                  <a:pt x="0" y="0"/>
+                </a:moveTo>
+                <a:lnTo>
+                  <a:pt x="120000" y="0"/>
+                </a:lnTo>
+                <a:lnTo>
+                  <a:pt x="120000" y="120000"/>
+                </a:lnTo>
+                <a:lnTo>
+                  <a:pt x="0" y="120000"/>
+                </a:lnTo>
+                <a:close/>
+              </a:path>
+            </a:pathLst>
+          </a:custGeom>
+          <a:noFill/>
+          <a:ln w="9525" cap="flat" cmpd="sng">
+            <a:solidFill>
+              <a:srgbClr val="000000"/>
+            </a:solidFill>
+            <a:prstDash val="solid"/>
+            <a:round/>
+            <a:headEnd type="none" w="sm" len="sm"/>
+            <a:tailEnd type="none" w="sm" len="sm"/>
+          </a:ln>
+        </p:spPr>
+      </p:sp>
+    </p:spTree>
+    <p:extLst>
+      <p:ext uri="{BB962C8B-B14F-4D97-AF65-F5344CB8AC3E}">
+        <p14:creationId xmlns:p14="http://schemas.microsoft.com/office/powerpoint/2010/main" val="3317161047"/>
       </p:ext>
     </p:extLst>
   </p:cSld>
@@ -6419,6 +6563,2529 @@
 </p:sld>
 </file>
 
+<file path=ppt/slides/slide3.xml><?xml version="1.0" encoding="utf-8"?>
+<p:sld xmlns:a="http://schemas.openxmlformats.org/drawingml/2006/main" xmlns:r="http://schemas.openxmlformats.org/officeDocument/2006/relationships" xmlns:p="http://schemas.openxmlformats.org/presentationml/2006/main">
+  <p:cSld>
+    <p:spTree>
+      <p:nvGrpSpPr>
+        <p:cNvPr id="1" name="Shape 163"/>
+        <p:cNvGrpSpPr/>
+        <p:nvPr/>
+      </p:nvGrpSpPr>
+      <p:grpSpPr>
+        <a:xfrm>
+          <a:off x="0" y="0"/>
+          <a:ext cx="0" cy="0"/>
+          <a:chOff x="0" y="0"/>
+          <a:chExt cx="0" cy="0"/>
+        </a:xfrm>
+      </p:grpSpPr>
+      <p:sp>
+        <p:nvSpPr>
+          <p:cNvPr id="164" name="Google Shape;164;g7c553259d1_0_81"/>
+          <p:cNvSpPr/>
+          <p:nvPr/>
+        </p:nvSpPr>
+        <p:spPr>
+          <a:xfrm>
+            <a:off x="4174054" y="5718862"/>
+            <a:ext cx="3433800" cy="292800"/>
+          </a:xfrm>
+          <a:prstGeom prst="rect">
+            <a:avLst/>
+          </a:prstGeom>
+          <a:solidFill>
+            <a:schemeClr val="lt1"/>
+          </a:solidFill>
+          <a:ln w="12700" cap="flat" cmpd="sng">
+            <a:solidFill>
+              <a:schemeClr val="dk1"/>
+            </a:solidFill>
+            <a:prstDash val="solid"/>
+            <a:miter lim="800000"/>
+            <a:headEnd type="none" w="sm" len="sm"/>
+            <a:tailEnd type="none" w="sm" len="sm"/>
+          </a:ln>
+        </p:spPr>
+        <p:txBody>
+          <a:bodyPr spcFirstLastPara="1" wrap="square" lIns="91425" tIns="45700" rIns="91425" bIns="45700" anchor="ctr" anchorCtr="0">
+            <a:noAutofit/>
+          </a:bodyPr>
+          <a:lstStyle/>
+          <a:p>
+            <a:pPr marL="0" marR="0" lvl="0" indent="0" algn="ctr" rtl="0">
+              <a:lnSpc>
+                <a:spcPct val="100000"/>
+              </a:lnSpc>
+              <a:spcBef>
+                <a:spcPts val="0"/>
+              </a:spcBef>
+              <a:spcAft>
+                <a:spcPts val="0"/>
+              </a:spcAft>
+              <a:buClr>
+                <a:srgbClr val="000000"/>
+              </a:buClr>
+              <a:buSzPts val="1800"/>
+              <a:buFont typeface="Arial"/>
+              <a:buNone/>
+            </a:pPr>
+            <a:endParaRPr sz="1800" b="0" i="0" u="none" strike="noStrike" cap="none">
+              <a:solidFill>
+                <a:schemeClr val="dk1"/>
+              </a:solidFill>
+              <a:latin typeface="Malgun Gothic"/>
+              <a:ea typeface="Malgun Gothic"/>
+              <a:cs typeface="Malgun Gothic"/>
+              <a:sym typeface="Malgun Gothic"/>
+            </a:endParaRPr>
+          </a:p>
+        </p:txBody>
+      </p:sp>
+      <p:graphicFrame>
+        <p:nvGraphicFramePr>
+          <p:cNvPr id="165" name="Google Shape;165;g7c553259d1_0_81"/>
+          <p:cNvGraphicFramePr/>
+          <p:nvPr>
+            <p:extLst>
+              <p:ext uri="{D42A27DB-BD31-4B8C-83A1-F6EECF244321}">
+                <p14:modId xmlns:p14="http://schemas.microsoft.com/office/powerpoint/2010/main" val="2127742866"/>
+              </p:ext>
+            </p:extLst>
+          </p:nvPr>
+        </p:nvGraphicFramePr>
+        <p:xfrm>
+          <a:off x="131601" y="115759"/>
+          <a:ext cx="4124100" cy="960150"/>
+        </p:xfrm>
+        <a:graphic>
+          <a:graphicData uri="http://schemas.openxmlformats.org/drawingml/2006/table">
+            <a:tbl>
+              <a:tblPr firstRow="1" bandRow="1">
+                <a:noFill/>
+              </a:tblPr>
+              <a:tblGrid>
+                <a:gridCol w="1443550"/>
+                <a:gridCol w="2680550"/>
+              </a:tblGrid>
+              <a:tr h="271225">
+                <a:tc>
+                  <a:txBody>
+                    <a:bodyPr/>
+                    <a:lstStyle/>
+                    <a:p>
+                      <a:pPr marL="0" marR="0" lvl="0" indent="0" algn="ctr" rtl="0">
+                        <a:lnSpc>
+                          <a:spcPct val="100000"/>
+                        </a:lnSpc>
+                        <a:spcBef>
+                          <a:spcPts val="0"/>
+                        </a:spcBef>
+                        <a:spcAft>
+                          <a:spcPts val="0"/>
+                        </a:spcAft>
+                        <a:buClr>
+                          <a:srgbClr val="000000"/>
+                        </a:buClr>
+                        <a:buSzPts val="1500"/>
+                        <a:buFont typeface="Arial"/>
+                        <a:buNone/>
+                      </a:pPr>
+                      <a:r>
+                        <a:rPr lang="ko-KR" sz="1500" b="0" u="none" strike="noStrike" cap="none" dirty="0">
+                          <a:solidFill>
+                            <a:schemeClr val="dk1"/>
+                          </a:solidFill>
+                        </a:rPr>
+                        <a:t>화면코드</a:t>
+                      </a:r>
+                      <a:endParaRPr sz="1500" b="0" u="none" strike="noStrike" cap="none" dirty="0">
+                        <a:solidFill>
+                          <a:schemeClr val="dk1"/>
+                        </a:solidFill>
+                      </a:endParaRPr>
+                    </a:p>
+                  </a:txBody>
+                  <a:tcPr marL="91450" marR="91450" marT="45725" marB="45725" anchor="ctr">
+                    <a:lnL w="12700" cap="flat" cmpd="sng">
+                      <a:solidFill>
+                        <a:schemeClr val="dk1"/>
+                      </a:solidFill>
+                      <a:prstDash val="solid"/>
+                      <a:round/>
+                      <a:headEnd type="none" w="sm" len="sm"/>
+                      <a:tailEnd type="none" w="sm" len="sm"/>
+                    </a:lnL>
+                    <a:lnR w="12700" cap="flat" cmpd="sng">
+                      <a:solidFill>
+                        <a:schemeClr val="dk1"/>
+                      </a:solidFill>
+                      <a:prstDash val="solid"/>
+                      <a:round/>
+                      <a:headEnd type="none" w="sm" len="sm"/>
+                      <a:tailEnd type="none" w="sm" len="sm"/>
+                    </a:lnR>
+                    <a:lnT w="12700" cap="flat" cmpd="sng">
+                      <a:solidFill>
+                        <a:schemeClr val="dk1"/>
+                      </a:solidFill>
+                      <a:prstDash val="solid"/>
+                      <a:round/>
+                      <a:headEnd type="none" w="sm" len="sm"/>
+                      <a:tailEnd type="none" w="sm" len="sm"/>
+                    </a:lnT>
+                    <a:lnB w="12700" cap="flat" cmpd="sng">
+                      <a:solidFill>
+                        <a:schemeClr val="dk1"/>
+                      </a:solidFill>
+                      <a:prstDash val="solid"/>
+                      <a:round/>
+                      <a:headEnd type="none" w="sm" len="sm"/>
+                      <a:tailEnd type="none" w="sm" len="sm"/>
+                    </a:lnB>
+                    <a:solidFill>
+                      <a:srgbClr val="D8D8D8"/>
+                    </a:solidFill>
+                  </a:tcPr>
+                </a:tc>
+                <a:tc>
+                  <a:txBody>
+                    <a:bodyPr/>
+                    <a:lstStyle/>
+                    <a:p>
+                      <a:pPr marL="0" marR="0" lvl="0" indent="0" algn="ctr" rtl="0">
+                        <a:lnSpc>
+                          <a:spcPct val="100000"/>
+                        </a:lnSpc>
+                        <a:spcBef>
+                          <a:spcPts val="0"/>
+                        </a:spcBef>
+                        <a:spcAft>
+                          <a:spcPts val="0"/>
+                        </a:spcAft>
+                        <a:buClr>
+                          <a:srgbClr val="000000"/>
+                        </a:buClr>
+                        <a:buSzPts val="1500"/>
+                        <a:buFont typeface="Arial"/>
+                        <a:buNone/>
+                      </a:pPr>
+                      <a:r>
+                        <a:rPr lang="en-US" altLang="ko-KR" sz="1500" b="0" u="none" strike="noStrike" cap="none" dirty="0" err="1" smtClean="0">
+                          <a:solidFill>
+                            <a:schemeClr val="dk1"/>
+                          </a:solidFill>
+                        </a:rPr>
+                        <a:t>user_w_ht_login</a:t>
+                      </a:r>
+                      <a:endParaRPr sz="1500" b="0" u="none" strike="noStrike" cap="none" dirty="0">
+                        <a:solidFill>
+                          <a:schemeClr val="dk1"/>
+                        </a:solidFill>
+                      </a:endParaRPr>
+                    </a:p>
+                  </a:txBody>
+                  <a:tcPr marL="91450" marR="91450" marT="45725" marB="45725" anchor="ctr">
+                    <a:lnL w="12700" cap="flat" cmpd="sng">
+                      <a:solidFill>
+                        <a:schemeClr val="dk1"/>
+                      </a:solidFill>
+                      <a:prstDash val="solid"/>
+                      <a:round/>
+                      <a:headEnd type="none" w="sm" len="sm"/>
+                      <a:tailEnd type="none" w="sm" len="sm"/>
+                    </a:lnL>
+                    <a:lnR w="12700" cap="flat" cmpd="sng">
+                      <a:solidFill>
+                        <a:schemeClr val="dk1"/>
+                      </a:solidFill>
+                      <a:prstDash val="solid"/>
+                      <a:round/>
+                      <a:headEnd type="none" w="sm" len="sm"/>
+                      <a:tailEnd type="none" w="sm" len="sm"/>
+                    </a:lnR>
+                    <a:lnT w="12700" cap="flat" cmpd="sng">
+                      <a:solidFill>
+                        <a:schemeClr val="dk1"/>
+                      </a:solidFill>
+                      <a:prstDash val="solid"/>
+                      <a:round/>
+                      <a:headEnd type="none" w="sm" len="sm"/>
+                      <a:tailEnd type="none" w="sm" len="sm"/>
+                    </a:lnT>
+                    <a:lnB w="12700" cap="flat" cmpd="sng">
+                      <a:solidFill>
+                        <a:schemeClr val="dk1"/>
+                      </a:solidFill>
+                      <a:prstDash val="solid"/>
+                      <a:round/>
+                      <a:headEnd type="none" w="sm" len="sm"/>
+                      <a:tailEnd type="none" w="sm" len="sm"/>
+                    </a:lnB>
+                    <a:solidFill>
+                      <a:schemeClr val="lt1"/>
+                    </a:solidFill>
+                  </a:tcPr>
+                </a:tc>
+              </a:tr>
+              <a:tr h="271225">
+                <a:tc rowSpan="2">
+                  <a:txBody>
+                    <a:bodyPr/>
+                    <a:lstStyle/>
+                    <a:p>
+                      <a:pPr marL="0" marR="0" lvl="0" indent="0" algn="ctr" rtl="0">
+                        <a:lnSpc>
+                          <a:spcPct val="100000"/>
+                        </a:lnSpc>
+                        <a:spcBef>
+                          <a:spcPts val="0"/>
+                        </a:spcBef>
+                        <a:spcAft>
+                          <a:spcPts val="0"/>
+                        </a:spcAft>
+                        <a:buClr>
+                          <a:srgbClr val="000000"/>
+                        </a:buClr>
+                        <a:buSzPts val="1500"/>
+                        <a:buFont typeface="Arial"/>
+                        <a:buNone/>
+                      </a:pPr>
+                      <a:r>
+                        <a:rPr lang="ko-KR" sz="1500" b="0" u="none" strike="noStrike" cap="none">
+                          <a:solidFill>
+                            <a:schemeClr val="dk1"/>
+                          </a:solidFill>
+                        </a:rPr>
+                        <a:t>화면명</a:t>
+                      </a:r>
+                      <a:endParaRPr sz="1500" b="0" u="none" strike="noStrike" cap="none">
+                        <a:solidFill>
+                          <a:schemeClr val="dk1"/>
+                        </a:solidFill>
+                      </a:endParaRPr>
+                    </a:p>
+                  </a:txBody>
+                  <a:tcPr marL="91450" marR="91450" marT="45725" marB="45725" anchor="ctr">
+                    <a:lnL w="12700" cap="flat" cmpd="sng">
+                      <a:solidFill>
+                        <a:schemeClr val="dk1"/>
+                      </a:solidFill>
+                      <a:prstDash val="solid"/>
+                      <a:round/>
+                      <a:headEnd type="none" w="sm" len="sm"/>
+                      <a:tailEnd type="none" w="sm" len="sm"/>
+                    </a:lnL>
+                    <a:lnR w="12700" cap="flat" cmpd="sng">
+                      <a:solidFill>
+                        <a:schemeClr val="dk1"/>
+                      </a:solidFill>
+                      <a:prstDash val="solid"/>
+                      <a:round/>
+                      <a:headEnd type="none" w="sm" len="sm"/>
+                      <a:tailEnd type="none" w="sm" len="sm"/>
+                    </a:lnR>
+                    <a:lnT w="12700" cap="flat" cmpd="sng">
+                      <a:solidFill>
+                        <a:schemeClr val="dk1"/>
+                      </a:solidFill>
+                      <a:prstDash val="solid"/>
+                      <a:round/>
+                      <a:headEnd type="none" w="sm" len="sm"/>
+                      <a:tailEnd type="none" w="sm" len="sm"/>
+                    </a:lnT>
+                    <a:lnB w="12700" cap="flat" cmpd="sng">
+                      <a:solidFill>
+                        <a:schemeClr val="dk1"/>
+                      </a:solidFill>
+                      <a:prstDash val="solid"/>
+                      <a:round/>
+                      <a:headEnd type="none" w="sm" len="sm"/>
+                      <a:tailEnd type="none" w="sm" len="sm"/>
+                    </a:lnB>
+                    <a:solidFill>
+                      <a:srgbClr val="D8D8D8"/>
+                    </a:solidFill>
+                  </a:tcPr>
+                </a:tc>
+                <a:tc>
+                  <a:txBody>
+                    <a:bodyPr/>
+                    <a:lstStyle/>
+                    <a:p>
+                      <a:pPr marL="0" marR="0" lvl="0" indent="0" algn="ctr" rtl="0">
+                        <a:lnSpc>
+                          <a:spcPct val="100000"/>
+                        </a:lnSpc>
+                        <a:spcBef>
+                          <a:spcPts val="0"/>
+                        </a:spcBef>
+                        <a:spcAft>
+                          <a:spcPts val="0"/>
+                        </a:spcAft>
+                        <a:buClr>
+                          <a:srgbClr val="000000"/>
+                        </a:buClr>
+                        <a:buSzPts val="1500"/>
+                        <a:buFont typeface="Arial"/>
+                        <a:buNone/>
+                      </a:pPr>
+                      <a:r>
+                        <a:rPr lang="ko-KR" altLang="en-US" sz="1500" b="0" u="none" strike="noStrike" cap="none" dirty="0" smtClean="0">
+                          <a:solidFill>
+                            <a:schemeClr val="dk1"/>
+                          </a:solidFill>
+                        </a:rPr>
+                        <a:t>사용자 로그인</a:t>
+                      </a:r>
+                      <a:endParaRPr sz="1500" b="0" u="none" strike="noStrike" cap="none" dirty="0">
+                        <a:solidFill>
+                          <a:schemeClr val="dk1"/>
+                        </a:solidFill>
+                      </a:endParaRPr>
+                    </a:p>
+                  </a:txBody>
+                  <a:tcPr marL="91450" marR="91450" marT="45725" marB="45725" anchor="ctr">
+                    <a:lnL w="12700" cap="flat" cmpd="sng">
+                      <a:solidFill>
+                        <a:schemeClr val="dk1"/>
+                      </a:solidFill>
+                      <a:prstDash val="solid"/>
+                      <a:round/>
+                      <a:headEnd type="none" w="sm" len="sm"/>
+                      <a:tailEnd type="none" w="sm" len="sm"/>
+                    </a:lnL>
+                    <a:lnR w="12700" cap="flat" cmpd="sng">
+                      <a:solidFill>
+                        <a:schemeClr val="dk1"/>
+                      </a:solidFill>
+                      <a:prstDash val="solid"/>
+                      <a:round/>
+                      <a:headEnd type="none" w="sm" len="sm"/>
+                      <a:tailEnd type="none" w="sm" len="sm"/>
+                    </a:lnR>
+                    <a:lnT w="12700" cap="flat" cmpd="sng">
+                      <a:solidFill>
+                        <a:schemeClr val="dk1"/>
+                      </a:solidFill>
+                      <a:prstDash val="solid"/>
+                      <a:round/>
+                      <a:headEnd type="none" w="sm" len="sm"/>
+                      <a:tailEnd type="none" w="sm" len="sm"/>
+                    </a:lnT>
+                    <a:lnB w="12700" cap="flat" cmpd="sng">
+                      <a:solidFill>
+                        <a:schemeClr val="dk1"/>
+                      </a:solidFill>
+                      <a:prstDash val="solid"/>
+                      <a:round/>
+                      <a:headEnd type="none" w="sm" len="sm"/>
+                      <a:tailEnd type="none" w="sm" len="sm"/>
+                    </a:lnB>
+                    <a:solidFill>
+                      <a:schemeClr val="lt1"/>
+                    </a:solidFill>
+                  </a:tcPr>
+                </a:tc>
+              </a:tr>
+              <a:tr h="271225">
+                <a:tc vMerge="1">
+                  <a:txBody>
+                    <a:bodyPr/>
+                    <a:lstStyle/>
+                    <a:p>
+                      <a:endParaRPr lang="ko-KR"/>
+                    </a:p>
+                  </a:txBody>
+                  <a:tcPr/>
+                </a:tc>
+                <a:tc>
+                  <a:txBody>
+                    <a:bodyPr/>
+                    <a:lstStyle/>
+                    <a:p>
+                      <a:pPr marL="0" marR="0" lvl="0" indent="0" algn="ctr" rtl="0">
+                        <a:lnSpc>
+                          <a:spcPct val="100000"/>
+                        </a:lnSpc>
+                        <a:spcBef>
+                          <a:spcPts val="0"/>
+                        </a:spcBef>
+                        <a:spcAft>
+                          <a:spcPts val="0"/>
+                        </a:spcAft>
+                        <a:buClr>
+                          <a:srgbClr val="000000"/>
+                        </a:buClr>
+                        <a:buSzPts val="1500"/>
+                        <a:buFont typeface="Arial"/>
+                        <a:buNone/>
+                      </a:pPr>
+                      <a:endParaRPr sz="1500" b="0" u="none" strike="noStrike" cap="none" dirty="0">
+                        <a:solidFill>
+                          <a:schemeClr val="dk1"/>
+                        </a:solidFill>
+                      </a:endParaRPr>
+                    </a:p>
+                  </a:txBody>
+                  <a:tcPr marL="91450" marR="91450" marT="45725" marB="45725" anchor="ctr">
+                    <a:lnL w="12700" cap="flat" cmpd="sng">
+                      <a:solidFill>
+                        <a:schemeClr val="dk1"/>
+                      </a:solidFill>
+                      <a:prstDash val="solid"/>
+                      <a:round/>
+                      <a:headEnd type="none" w="sm" len="sm"/>
+                      <a:tailEnd type="none" w="sm" len="sm"/>
+                    </a:lnL>
+                    <a:lnR w="12700" cap="flat" cmpd="sng">
+                      <a:solidFill>
+                        <a:schemeClr val="dk1"/>
+                      </a:solidFill>
+                      <a:prstDash val="solid"/>
+                      <a:round/>
+                      <a:headEnd type="none" w="sm" len="sm"/>
+                      <a:tailEnd type="none" w="sm" len="sm"/>
+                    </a:lnR>
+                    <a:lnT w="12700" cap="flat" cmpd="sng">
+                      <a:solidFill>
+                        <a:schemeClr val="dk1"/>
+                      </a:solidFill>
+                      <a:prstDash val="solid"/>
+                      <a:round/>
+                      <a:headEnd type="none" w="sm" len="sm"/>
+                      <a:tailEnd type="none" w="sm" len="sm"/>
+                    </a:lnT>
+                    <a:lnB w="12700" cap="flat" cmpd="sng">
+                      <a:solidFill>
+                        <a:schemeClr val="dk1"/>
+                      </a:solidFill>
+                      <a:prstDash val="solid"/>
+                      <a:round/>
+                      <a:headEnd type="none" w="sm" len="sm"/>
+                      <a:tailEnd type="none" w="sm" len="sm"/>
+                    </a:lnB>
+                    <a:solidFill>
+                      <a:schemeClr val="lt1"/>
+                    </a:solidFill>
+                  </a:tcPr>
+                </a:tc>
+              </a:tr>
+            </a:tbl>
+          </a:graphicData>
+        </a:graphic>
+      </p:graphicFrame>
+      <p:graphicFrame>
+        <p:nvGraphicFramePr>
+          <p:cNvPr id="166" name="Google Shape;166;g7c553259d1_0_81"/>
+          <p:cNvGraphicFramePr/>
+          <p:nvPr/>
+        </p:nvGraphicFramePr>
+        <p:xfrm>
+          <a:off x="9309046" y="197403"/>
+          <a:ext cx="2815500" cy="320050"/>
+        </p:xfrm>
+        <a:graphic>
+          <a:graphicData uri="http://schemas.openxmlformats.org/drawingml/2006/table">
+            <a:tbl>
+              <a:tblPr firstRow="1" bandRow="1">
+                <a:noFill/>
+              </a:tblPr>
+              <a:tblGrid>
+                <a:gridCol w="1407750"/>
+                <a:gridCol w="1407750"/>
+              </a:tblGrid>
+              <a:tr h="265075">
+                <a:tc>
+                  <a:txBody>
+                    <a:bodyPr/>
+                    <a:lstStyle/>
+                    <a:p>
+                      <a:pPr marL="0" marR="0" lvl="0" indent="0" algn="ctr" rtl="0">
+                        <a:lnSpc>
+                          <a:spcPct val="100000"/>
+                        </a:lnSpc>
+                        <a:spcBef>
+                          <a:spcPts val="0"/>
+                        </a:spcBef>
+                        <a:spcAft>
+                          <a:spcPts val="0"/>
+                        </a:spcAft>
+                        <a:buClr>
+                          <a:srgbClr val="000000"/>
+                        </a:buClr>
+                        <a:buSzPts val="1500"/>
+                        <a:buFont typeface="Arial"/>
+                        <a:buNone/>
+                      </a:pPr>
+                      <a:r>
+                        <a:rPr lang="ko-KR" sz="1500" b="0" u="none" strike="noStrike" cap="none">
+                          <a:solidFill>
+                            <a:schemeClr val="dk1"/>
+                          </a:solidFill>
+                        </a:rPr>
+                        <a:t>화면 번호</a:t>
+                      </a:r>
+                      <a:endParaRPr sz="1500" b="0" u="none" strike="noStrike" cap="none">
+                        <a:solidFill>
+                          <a:schemeClr val="dk1"/>
+                        </a:solidFill>
+                      </a:endParaRPr>
+                    </a:p>
+                  </a:txBody>
+                  <a:tcPr marL="91450" marR="91450" marT="45725" marB="45725" anchor="ctr">
+                    <a:lnL w="12700" cap="flat" cmpd="sng">
+                      <a:solidFill>
+                        <a:schemeClr val="dk1"/>
+                      </a:solidFill>
+                      <a:prstDash val="solid"/>
+                      <a:round/>
+                      <a:headEnd type="none" w="sm" len="sm"/>
+                      <a:tailEnd type="none" w="sm" len="sm"/>
+                    </a:lnL>
+                    <a:lnR w="12700" cap="flat" cmpd="sng">
+                      <a:solidFill>
+                        <a:schemeClr val="dk1"/>
+                      </a:solidFill>
+                      <a:prstDash val="solid"/>
+                      <a:round/>
+                      <a:headEnd type="none" w="sm" len="sm"/>
+                      <a:tailEnd type="none" w="sm" len="sm"/>
+                    </a:lnR>
+                    <a:lnT w="12700" cap="flat" cmpd="sng">
+                      <a:solidFill>
+                        <a:schemeClr val="dk1"/>
+                      </a:solidFill>
+                      <a:prstDash val="solid"/>
+                      <a:round/>
+                      <a:headEnd type="none" w="sm" len="sm"/>
+                      <a:tailEnd type="none" w="sm" len="sm"/>
+                    </a:lnT>
+                    <a:lnB w="12700" cap="flat" cmpd="sng">
+                      <a:solidFill>
+                        <a:schemeClr val="dk1"/>
+                      </a:solidFill>
+                      <a:prstDash val="solid"/>
+                      <a:round/>
+                      <a:headEnd type="none" w="sm" len="sm"/>
+                      <a:tailEnd type="none" w="sm" len="sm"/>
+                    </a:lnB>
+                    <a:solidFill>
+                      <a:srgbClr val="D8D8D8"/>
+                    </a:solidFill>
+                  </a:tcPr>
+                </a:tc>
+                <a:tc>
+                  <a:txBody>
+                    <a:bodyPr/>
+                    <a:lstStyle/>
+                    <a:p>
+                      <a:pPr marL="0" marR="0" lvl="0" indent="0" algn="ctr" rtl="0">
+                        <a:lnSpc>
+                          <a:spcPct val="100000"/>
+                        </a:lnSpc>
+                        <a:spcBef>
+                          <a:spcPts val="0"/>
+                        </a:spcBef>
+                        <a:spcAft>
+                          <a:spcPts val="0"/>
+                        </a:spcAft>
+                        <a:buClr>
+                          <a:srgbClr val="000000"/>
+                        </a:buClr>
+                        <a:buSzPts val="1500"/>
+                        <a:buFont typeface="Arial"/>
+                        <a:buNone/>
+                      </a:pPr>
+                      <a:endParaRPr sz="1500" b="0" u="none" strike="noStrike" cap="none">
+                        <a:solidFill>
+                          <a:schemeClr val="dk1"/>
+                        </a:solidFill>
+                      </a:endParaRPr>
+                    </a:p>
+                  </a:txBody>
+                  <a:tcPr marL="91450" marR="91450" marT="45725" marB="45725" anchor="ctr">
+                    <a:lnL w="12700" cap="flat" cmpd="sng">
+                      <a:solidFill>
+                        <a:schemeClr val="dk1"/>
+                      </a:solidFill>
+                      <a:prstDash val="solid"/>
+                      <a:round/>
+                      <a:headEnd type="none" w="sm" len="sm"/>
+                      <a:tailEnd type="none" w="sm" len="sm"/>
+                    </a:lnL>
+                    <a:lnR w="12700" cap="flat" cmpd="sng">
+                      <a:solidFill>
+                        <a:schemeClr val="dk1"/>
+                      </a:solidFill>
+                      <a:prstDash val="solid"/>
+                      <a:round/>
+                      <a:headEnd type="none" w="sm" len="sm"/>
+                      <a:tailEnd type="none" w="sm" len="sm"/>
+                    </a:lnR>
+                    <a:lnT w="12700" cap="flat" cmpd="sng">
+                      <a:solidFill>
+                        <a:schemeClr val="dk1"/>
+                      </a:solidFill>
+                      <a:prstDash val="solid"/>
+                      <a:round/>
+                      <a:headEnd type="none" w="sm" len="sm"/>
+                      <a:tailEnd type="none" w="sm" len="sm"/>
+                    </a:lnT>
+                    <a:lnB w="12700" cap="flat" cmpd="sng">
+                      <a:solidFill>
+                        <a:schemeClr val="dk1"/>
+                      </a:solidFill>
+                      <a:prstDash val="solid"/>
+                      <a:round/>
+                      <a:headEnd type="none" w="sm" len="sm"/>
+                      <a:tailEnd type="none" w="sm" len="sm"/>
+                    </a:lnB>
+                    <a:solidFill>
+                      <a:schemeClr val="lt1"/>
+                    </a:solidFill>
+                  </a:tcPr>
+                </a:tc>
+              </a:tr>
+            </a:tbl>
+          </a:graphicData>
+        </a:graphic>
+      </p:graphicFrame>
+      <p:graphicFrame>
+        <p:nvGraphicFramePr>
+          <p:cNvPr id="167" name="Google Shape;167;g7c553259d1_0_81"/>
+          <p:cNvGraphicFramePr/>
+          <p:nvPr/>
+        </p:nvGraphicFramePr>
+        <p:xfrm>
+          <a:off x="6200086" y="197403"/>
+          <a:ext cx="2815500" cy="320050"/>
+        </p:xfrm>
+        <a:graphic>
+          <a:graphicData uri="http://schemas.openxmlformats.org/drawingml/2006/table">
+            <a:tbl>
+              <a:tblPr firstRow="1" bandRow="1">
+                <a:noFill/>
+              </a:tblPr>
+              <a:tblGrid>
+                <a:gridCol w="1407750"/>
+                <a:gridCol w="1407750"/>
+              </a:tblGrid>
+              <a:tr h="265075">
+                <a:tc>
+                  <a:txBody>
+                    <a:bodyPr/>
+                    <a:lstStyle/>
+                    <a:p>
+                      <a:pPr marL="0" marR="0" lvl="0" indent="0" algn="ctr" rtl="0">
+                        <a:lnSpc>
+                          <a:spcPct val="100000"/>
+                        </a:lnSpc>
+                        <a:spcBef>
+                          <a:spcPts val="0"/>
+                        </a:spcBef>
+                        <a:spcAft>
+                          <a:spcPts val="0"/>
+                        </a:spcAft>
+                        <a:buClr>
+                          <a:srgbClr val="000000"/>
+                        </a:buClr>
+                        <a:buSzPts val="1500"/>
+                        <a:buFont typeface="Arial"/>
+                        <a:buNone/>
+                      </a:pPr>
+                      <a:r>
+                        <a:rPr lang="ko-KR" sz="1500" b="0" u="none" strike="noStrike" cap="none">
+                          <a:solidFill>
+                            <a:schemeClr val="dk1"/>
+                          </a:solidFill>
+                        </a:rPr>
+                        <a:t>프로젝트</a:t>
+                      </a:r>
+                      <a:endParaRPr sz="1500" b="0" u="none" strike="noStrike" cap="none">
+                        <a:solidFill>
+                          <a:schemeClr val="dk1"/>
+                        </a:solidFill>
+                      </a:endParaRPr>
+                    </a:p>
+                  </a:txBody>
+                  <a:tcPr marL="91450" marR="91450" marT="45725" marB="45725" anchor="ctr">
+                    <a:lnL w="12700" cap="flat" cmpd="sng">
+                      <a:solidFill>
+                        <a:schemeClr val="dk1"/>
+                      </a:solidFill>
+                      <a:prstDash val="solid"/>
+                      <a:round/>
+                      <a:headEnd type="none" w="sm" len="sm"/>
+                      <a:tailEnd type="none" w="sm" len="sm"/>
+                    </a:lnL>
+                    <a:lnR w="12700" cap="flat" cmpd="sng">
+                      <a:solidFill>
+                        <a:schemeClr val="dk1"/>
+                      </a:solidFill>
+                      <a:prstDash val="solid"/>
+                      <a:round/>
+                      <a:headEnd type="none" w="sm" len="sm"/>
+                      <a:tailEnd type="none" w="sm" len="sm"/>
+                    </a:lnR>
+                    <a:lnT w="12700" cap="flat" cmpd="sng">
+                      <a:solidFill>
+                        <a:schemeClr val="dk1"/>
+                      </a:solidFill>
+                      <a:prstDash val="solid"/>
+                      <a:round/>
+                      <a:headEnd type="none" w="sm" len="sm"/>
+                      <a:tailEnd type="none" w="sm" len="sm"/>
+                    </a:lnT>
+                    <a:lnB w="12700" cap="flat" cmpd="sng">
+                      <a:solidFill>
+                        <a:schemeClr val="dk1"/>
+                      </a:solidFill>
+                      <a:prstDash val="solid"/>
+                      <a:round/>
+                      <a:headEnd type="none" w="sm" len="sm"/>
+                      <a:tailEnd type="none" w="sm" len="sm"/>
+                    </a:lnB>
+                    <a:solidFill>
+                      <a:srgbClr val="D8D8D8"/>
+                    </a:solidFill>
+                  </a:tcPr>
+                </a:tc>
+                <a:tc>
+                  <a:txBody>
+                    <a:bodyPr/>
+                    <a:lstStyle/>
+                    <a:p>
+                      <a:pPr marL="0" marR="0" lvl="0" indent="0" algn="ctr" rtl="0">
+                        <a:lnSpc>
+                          <a:spcPct val="100000"/>
+                        </a:lnSpc>
+                        <a:spcBef>
+                          <a:spcPts val="0"/>
+                        </a:spcBef>
+                        <a:spcAft>
+                          <a:spcPts val="0"/>
+                        </a:spcAft>
+                        <a:buClr>
+                          <a:srgbClr val="000000"/>
+                        </a:buClr>
+                        <a:buSzPts val="1500"/>
+                        <a:buFont typeface="Arial"/>
+                        <a:buNone/>
+                      </a:pPr>
+                      <a:endParaRPr sz="1500" b="0" u="none" strike="noStrike" cap="none">
+                        <a:solidFill>
+                          <a:schemeClr val="dk1"/>
+                        </a:solidFill>
+                      </a:endParaRPr>
+                    </a:p>
+                  </a:txBody>
+                  <a:tcPr marL="91450" marR="91450" marT="45725" marB="45725" anchor="ctr">
+                    <a:lnL w="12700" cap="flat" cmpd="sng">
+                      <a:solidFill>
+                        <a:schemeClr val="dk1"/>
+                      </a:solidFill>
+                      <a:prstDash val="solid"/>
+                      <a:round/>
+                      <a:headEnd type="none" w="sm" len="sm"/>
+                      <a:tailEnd type="none" w="sm" len="sm"/>
+                    </a:lnL>
+                    <a:lnR w="12700" cap="flat" cmpd="sng">
+                      <a:solidFill>
+                        <a:schemeClr val="dk1"/>
+                      </a:solidFill>
+                      <a:prstDash val="solid"/>
+                      <a:round/>
+                      <a:headEnd type="none" w="sm" len="sm"/>
+                      <a:tailEnd type="none" w="sm" len="sm"/>
+                    </a:lnR>
+                    <a:lnT w="12700" cap="flat" cmpd="sng">
+                      <a:solidFill>
+                        <a:schemeClr val="dk1"/>
+                      </a:solidFill>
+                      <a:prstDash val="solid"/>
+                      <a:round/>
+                      <a:headEnd type="none" w="sm" len="sm"/>
+                      <a:tailEnd type="none" w="sm" len="sm"/>
+                    </a:lnT>
+                    <a:lnB w="12700" cap="flat" cmpd="sng">
+                      <a:solidFill>
+                        <a:schemeClr val="dk1"/>
+                      </a:solidFill>
+                      <a:prstDash val="solid"/>
+                      <a:round/>
+                      <a:headEnd type="none" w="sm" len="sm"/>
+                      <a:tailEnd type="none" w="sm" len="sm"/>
+                    </a:lnB>
+                    <a:solidFill>
+                      <a:schemeClr val="lt1"/>
+                    </a:solidFill>
+                  </a:tcPr>
+                </a:tc>
+              </a:tr>
+            </a:tbl>
+          </a:graphicData>
+        </a:graphic>
+      </p:graphicFrame>
+      <p:sp>
+        <p:nvSpPr>
+          <p:cNvPr id="168" name="Google Shape;168;g7c553259d1_0_81"/>
+          <p:cNvSpPr/>
+          <p:nvPr/>
+        </p:nvSpPr>
+        <p:spPr>
+          <a:xfrm>
+            <a:off x="157954" y="1271965"/>
+            <a:ext cx="8032200" cy="5349900"/>
+          </a:xfrm>
+          <a:prstGeom prst="rect">
+            <a:avLst/>
+          </a:prstGeom>
+          <a:solidFill>
+            <a:schemeClr val="lt1"/>
+          </a:solidFill>
+          <a:ln w="12700" cap="flat" cmpd="sng">
+            <a:solidFill>
+              <a:schemeClr val="dk1"/>
+            </a:solidFill>
+            <a:prstDash val="solid"/>
+            <a:miter lim="800000"/>
+            <a:headEnd type="none" w="sm" len="sm"/>
+            <a:tailEnd type="none" w="sm" len="sm"/>
+          </a:ln>
+        </p:spPr>
+        <p:txBody>
+          <a:bodyPr spcFirstLastPara="1" wrap="square" lIns="91425" tIns="45700" rIns="91425" bIns="45700" anchor="ctr" anchorCtr="0">
+            <a:noAutofit/>
+          </a:bodyPr>
+          <a:lstStyle/>
+          <a:p>
+            <a:pPr marL="0" marR="0" lvl="0" indent="0" algn="ctr" rtl="0">
+              <a:lnSpc>
+                <a:spcPct val="100000"/>
+              </a:lnSpc>
+              <a:spcBef>
+                <a:spcPts val="0"/>
+              </a:spcBef>
+              <a:spcAft>
+                <a:spcPts val="0"/>
+              </a:spcAft>
+              <a:buClr>
+                <a:srgbClr val="000000"/>
+              </a:buClr>
+              <a:buSzPts val="1500"/>
+              <a:buFont typeface="Arial"/>
+              <a:buNone/>
+            </a:pPr>
+            <a:endParaRPr sz="1500" b="0" i="0" u="none" strike="noStrike" cap="none">
+              <a:solidFill>
+                <a:schemeClr val="dk1"/>
+              </a:solidFill>
+              <a:latin typeface="Malgun Gothic"/>
+              <a:ea typeface="Malgun Gothic"/>
+              <a:cs typeface="Malgun Gothic"/>
+              <a:sym typeface="Malgun Gothic"/>
+            </a:endParaRPr>
+          </a:p>
+        </p:txBody>
+      </p:sp>
+      <p:graphicFrame>
+        <p:nvGraphicFramePr>
+          <p:cNvPr id="169" name="Google Shape;169;g7c553259d1_0_81"/>
+          <p:cNvGraphicFramePr/>
+          <p:nvPr>
+            <p:extLst>
+              <p:ext uri="{D42A27DB-BD31-4B8C-83A1-F6EECF244321}">
+                <p14:modId xmlns:p14="http://schemas.microsoft.com/office/powerpoint/2010/main" val="103633237"/>
+              </p:ext>
+            </p:extLst>
+          </p:nvPr>
+        </p:nvGraphicFramePr>
+        <p:xfrm>
+          <a:off x="8509686" y="1289960"/>
+          <a:ext cx="3532000" cy="5311199"/>
+        </p:xfrm>
+        <a:graphic>
+          <a:graphicData uri="http://schemas.openxmlformats.org/drawingml/2006/table">
+            <a:tbl>
+              <a:tblPr firstRow="1" bandRow="1">
+                <a:noFill/>
+              </a:tblPr>
+              <a:tblGrid>
+                <a:gridCol w="382900"/>
+                <a:gridCol w="3149100"/>
+              </a:tblGrid>
+              <a:tr h="356150">
+                <a:tc>
+                  <a:txBody>
+                    <a:bodyPr/>
+                    <a:lstStyle/>
+                    <a:p>
+                      <a:pPr marL="0" marR="0" lvl="0" indent="0" algn="ctr" rtl="0">
+                        <a:lnSpc>
+                          <a:spcPct val="100000"/>
+                        </a:lnSpc>
+                        <a:spcBef>
+                          <a:spcPts val="0"/>
+                        </a:spcBef>
+                        <a:spcAft>
+                          <a:spcPts val="0"/>
+                        </a:spcAft>
+                        <a:buClr>
+                          <a:srgbClr val="000000"/>
+                        </a:buClr>
+                        <a:buSzPts val="1500"/>
+                        <a:buFont typeface="Arial"/>
+                        <a:buNone/>
+                      </a:pPr>
+                      <a:r>
+                        <a:rPr lang="ko-KR" sz="1500" u="none" strike="noStrike" cap="none" dirty="0">
+                          <a:solidFill>
+                            <a:schemeClr val="dk1"/>
+                          </a:solidFill>
+                        </a:rPr>
+                        <a:t>#</a:t>
+                      </a:r>
+                      <a:endParaRPr sz="1500" u="none" strike="noStrike" cap="none" dirty="0">
+                        <a:solidFill>
+                          <a:schemeClr val="dk1"/>
+                        </a:solidFill>
+                      </a:endParaRPr>
+                    </a:p>
+                  </a:txBody>
+                  <a:tcPr marL="91450" marR="91450" marT="45725" marB="45725" anchor="ctr">
+                    <a:lnL w="12700" cap="flat" cmpd="sng">
+                      <a:solidFill>
+                        <a:schemeClr val="dk1"/>
+                      </a:solidFill>
+                      <a:prstDash val="solid"/>
+                      <a:round/>
+                      <a:headEnd type="none" w="sm" len="sm"/>
+                      <a:tailEnd type="none" w="sm" len="sm"/>
+                    </a:lnL>
+                    <a:lnR w="12700" cap="flat" cmpd="sng">
+                      <a:solidFill>
+                        <a:schemeClr val="dk1"/>
+                      </a:solidFill>
+                      <a:prstDash val="solid"/>
+                      <a:round/>
+                      <a:headEnd type="none" w="sm" len="sm"/>
+                      <a:tailEnd type="none" w="sm" len="sm"/>
+                    </a:lnR>
+                    <a:lnT w="12700" cap="flat" cmpd="sng">
+                      <a:solidFill>
+                        <a:schemeClr val="dk1"/>
+                      </a:solidFill>
+                      <a:prstDash val="solid"/>
+                      <a:round/>
+                      <a:headEnd type="none" w="sm" len="sm"/>
+                      <a:tailEnd type="none" w="sm" len="sm"/>
+                    </a:lnT>
+                    <a:lnB w="12700" cap="flat" cmpd="sng">
+                      <a:solidFill>
+                        <a:schemeClr val="dk1"/>
+                      </a:solidFill>
+                      <a:prstDash val="solid"/>
+                      <a:round/>
+                      <a:headEnd type="none" w="sm" len="sm"/>
+                      <a:tailEnd type="none" w="sm" len="sm"/>
+                    </a:lnB>
+                    <a:solidFill>
+                      <a:srgbClr val="D8D8D8"/>
+                    </a:solidFill>
+                  </a:tcPr>
+                </a:tc>
+                <a:tc>
+                  <a:txBody>
+                    <a:bodyPr/>
+                    <a:lstStyle/>
+                    <a:p>
+                      <a:pPr marL="0" marR="0" lvl="0" indent="0" algn="ctr" rtl="0">
+                        <a:lnSpc>
+                          <a:spcPct val="100000"/>
+                        </a:lnSpc>
+                        <a:spcBef>
+                          <a:spcPts val="0"/>
+                        </a:spcBef>
+                        <a:spcAft>
+                          <a:spcPts val="0"/>
+                        </a:spcAft>
+                        <a:buClr>
+                          <a:srgbClr val="000000"/>
+                        </a:buClr>
+                        <a:buSzPts val="1500"/>
+                        <a:buFont typeface="Arial"/>
+                        <a:buNone/>
+                      </a:pPr>
+                      <a:endParaRPr sz="1500" u="none" strike="noStrike" cap="none" dirty="0">
+                        <a:solidFill>
+                          <a:schemeClr val="dk1"/>
+                        </a:solidFill>
+                      </a:endParaRPr>
+                    </a:p>
+                  </a:txBody>
+                  <a:tcPr marL="91450" marR="91450" marT="45725" marB="45725" anchor="ctr">
+                    <a:lnL w="12700" cap="flat" cmpd="sng">
+                      <a:solidFill>
+                        <a:schemeClr val="dk1"/>
+                      </a:solidFill>
+                      <a:prstDash val="solid"/>
+                      <a:round/>
+                      <a:headEnd type="none" w="sm" len="sm"/>
+                      <a:tailEnd type="none" w="sm" len="sm"/>
+                    </a:lnL>
+                    <a:lnR w="12700" cap="flat" cmpd="sng">
+                      <a:solidFill>
+                        <a:schemeClr val="dk1"/>
+                      </a:solidFill>
+                      <a:prstDash val="solid"/>
+                      <a:round/>
+                      <a:headEnd type="none" w="sm" len="sm"/>
+                      <a:tailEnd type="none" w="sm" len="sm"/>
+                    </a:lnR>
+                    <a:lnT w="12700" cap="flat" cmpd="sng">
+                      <a:solidFill>
+                        <a:schemeClr val="dk1"/>
+                      </a:solidFill>
+                      <a:prstDash val="solid"/>
+                      <a:round/>
+                      <a:headEnd type="none" w="sm" len="sm"/>
+                      <a:tailEnd type="none" w="sm" len="sm"/>
+                    </a:lnT>
+                    <a:lnB w="12700" cap="flat" cmpd="sng">
+                      <a:solidFill>
+                        <a:schemeClr val="dk1"/>
+                      </a:solidFill>
+                      <a:prstDash val="solid"/>
+                      <a:round/>
+                      <a:headEnd type="none" w="sm" len="sm"/>
+                      <a:tailEnd type="none" w="sm" len="sm"/>
+                    </a:lnB>
+                    <a:solidFill>
+                      <a:srgbClr val="D8D8D8"/>
+                    </a:solidFill>
+                  </a:tcPr>
+                </a:tc>
+              </a:tr>
+              <a:tr h="972399">
+                <a:tc>
+                  <a:txBody>
+                    <a:bodyPr/>
+                    <a:lstStyle/>
+                    <a:p>
+                      <a:pPr marL="0" marR="0" lvl="0" indent="0" algn="ctr" rtl="0">
+                        <a:lnSpc>
+                          <a:spcPct val="100000"/>
+                        </a:lnSpc>
+                        <a:spcBef>
+                          <a:spcPts val="0"/>
+                        </a:spcBef>
+                        <a:spcAft>
+                          <a:spcPts val="0"/>
+                        </a:spcAft>
+                        <a:buClr>
+                          <a:srgbClr val="000000"/>
+                        </a:buClr>
+                        <a:buSzPts val="1500"/>
+                        <a:buFont typeface="Arial"/>
+                        <a:buNone/>
+                      </a:pPr>
+                      <a:endParaRPr sz="1500" dirty="0"/>
+                    </a:p>
+                  </a:txBody>
+                  <a:tcPr marL="91450" marR="91450" marT="45725" marB="45725" anchor="ctr">
+                    <a:lnL w="12700" cap="flat" cmpd="sng">
+                      <a:solidFill>
+                        <a:schemeClr val="dk1"/>
+                      </a:solidFill>
+                      <a:prstDash val="solid"/>
+                      <a:round/>
+                      <a:headEnd type="none" w="sm" len="sm"/>
+                      <a:tailEnd type="none" w="sm" len="sm"/>
+                    </a:lnL>
+                    <a:lnR w="12700" cap="flat" cmpd="sng">
+                      <a:solidFill>
+                        <a:schemeClr val="dk1"/>
+                      </a:solidFill>
+                      <a:prstDash val="solid"/>
+                      <a:round/>
+                      <a:headEnd type="none" w="sm" len="sm"/>
+                      <a:tailEnd type="none" w="sm" len="sm"/>
+                    </a:lnR>
+                    <a:lnT w="12700" cap="flat" cmpd="sng">
+                      <a:solidFill>
+                        <a:schemeClr val="dk1"/>
+                      </a:solidFill>
+                      <a:prstDash val="solid"/>
+                      <a:round/>
+                      <a:headEnd type="none" w="sm" len="sm"/>
+                      <a:tailEnd type="none" w="sm" len="sm"/>
+                    </a:lnT>
+                    <a:lnB w="12700" cap="flat" cmpd="sng">
+                      <a:solidFill>
+                        <a:schemeClr val="dk1"/>
+                      </a:solidFill>
+                      <a:prstDash val="solid"/>
+                      <a:round/>
+                      <a:headEnd type="none" w="sm" len="sm"/>
+                      <a:tailEnd type="none" w="sm" len="sm"/>
+                    </a:lnB>
+                    <a:solidFill>
+                      <a:schemeClr val="lt1"/>
+                    </a:solidFill>
+                  </a:tcPr>
+                </a:tc>
+                <a:tc>
+                  <a:txBody>
+                    <a:bodyPr/>
+                    <a:lstStyle/>
+                    <a:p>
+                      <a:pPr marL="0" marR="0" lvl="0" indent="0" algn="l" rtl="0">
+                        <a:lnSpc>
+                          <a:spcPct val="100000"/>
+                        </a:lnSpc>
+                        <a:spcBef>
+                          <a:spcPts val="0"/>
+                        </a:spcBef>
+                        <a:spcAft>
+                          <a:spcPts val="0"/>
+                        </a:spcAft>
+                        <a:buClr>
+                          <a:srgbClr val="000000"/>
+                        </a:buClr>
+                        <a:buSzPts val="1500"/>
+                        <a:buFont typeface="Arial"/>
+                        <a:buNone/>
+                      </a:pPr>
+                      <a:endParaRPr sz="1500" b="0" u="none" strike="noStrike" cap="none" dirty="0">
+                        <a:solidFill>
+                          <a:schemeClr val="dk1"/>
+                        </a:solidFill>
+                      </a:endParaRPr>
+                    </a:p>
+                  </a:txBody>
+                  <a:tcPr marL="91450" marR="91450" marT="45725" marB="45725">
+                    <a:lnL w="12700" cap="flat" cmpd="sng">
+                      <a:solidFill>
+                        <a:schemeClr val="dk1"/>
+                      </a:solidFill>
+                      <a:prstDash val="solid"/>
+                      <a:round/>
+                      <a:headEnd type="none" w="sm" len="sm"/>
+                      <a:tailEnd type="none" w="sm" len="sm"/>
+                    </a:lnL>
+                    <a:lnR w="12700" cap="flat" cmpd="sng">
+                      <a:solidFill>
+                        <a:schemeClr val="dk1"/>
+                      </a:solidFill>
+                      <a:prstDash val="solid"/>
+                      <a:round/>
+                      <a:headEnd type="none" w="sm" len="sm"/>
+                      <a:tailEnd type="none" w="sm" len="sm"/>
+                    </a:lnR>
+                    <a:lnT w="12700" cap="flat" cmpd="sng">
+                      <a:solidFill>
+                        <a:schemeClr val="dk1"/>
+                      </a:solidFill>
+                      <a:prstDash val="solid"/>
+                      <a:round/>
+                      <a:headEnd type="none" w="sm" len="sm"/>
+                      <a:tailEnd type="none" w="sm" len="sm"/>
+                    </a:lnT>
+                    <a:lnB w="12700" cap="flat" cmpd="sng">
+                      <a:solidFill>
+                        <a:schemeClr val="dk1"/>
+                      </a:solidFill>
+                      <a:prstDash val="solid"/>
+                      <a:round/>
+                      <a:headEnd type="none" w="sm" len="sm"/>
+                      <a:tailEnd type="none" w="sm" len="sm"/>
+                    </a:lnB>
+                    <a:solidFill>
+                      <a:schemeClr val="lt1"/>
+                    </a:solidFill>
+                  </a:tcPr>
+                </a:tc>
+              </a:tr>
+              <a:tr h="551475">
+                <a:tc>
+                  <a:txBody>
+                    <a:bodyPr/>
+                    <a:lstStyle/>
+                    <a:p>
+                      <a:pPr marL="0" marR="0" lvl="0" indent="0" algn="ctr" rtl="0">
+                        <a:lnSpc>
+                          <a:spcPct val="100000"/>
+                        </a:lnSpc>
+                        <a:spcBef>
+                          <a:spcPts val="0"/>
+                        </a:spcBef>
+                        <a:spcAft>
+                          <a:spcPts val="0"/>
+                        </a:spcAft>
+                        <a:buClr>
+                          <a:srgbClr val="000000"/>
+                        </a:buClr>
+                        <a:buSzPts val="1500"/>
+                        <a:buFont typeface="Arial"/>
+                        <a:buNone/>
+                      </a:pPr>
+                      <a:endParaRPr sz="1500" u="none" strike="noStrike" cap="none" dirty="0">
+                        <a:solidFill>
+                          <a:schemeClr val="dk1"/>
+                        </a:solidFill>
+                      </a:endParaRPr>
+                    </a:p>
+                  </a:txBody>
+                  <a:tcPr marL="91450" marR="91450" marT="45725" marB="45725" anchor="ctr">
+                    <a:lnL w="12700" cap="flat" cmpd="sng">
+                      <a:solidFill>
+                        <a:schemeClr val="dk1"/>
+                      </a:solidFill>
+                      <a:prstDash val="solid"/>
+                      <a:round/>
+                      <a:headEnd type="none" w="sm" len="sm"/>
+                      <a:tailEnd type="none" w="sm" len="sm"/>
+                    </a:lnL>
+                    <a:lnR w="12700" cap="flat" cmpd="sng">
+                      <a:solidFill>
+                        <a:schemeClr val="dk1"/>
+                      </a:solidFill>
+                      <a:prstDash val="solid"/>
+                      <a:round/>
+                      <a:headEnd type="none" w="sm" len="sm"/>
+                      <a:tailEnd type="none" w="sm" len="sm"/>
+                    </a:lnR>
+                    <a:lnT w="12700" cap="flat" cmpd="sng">
+                      <a:solidFill>
+                        <a:schemeClr val="dk1"/>
+                      </a:solidFill>
+                      <a:prstDash val="solid"/>
+                      <a:round/>
+                      <a:headEnd type="none" w="sm" len="sm"/>
+                      <a:tailEnd type="none" w="sm" len="sm"/>
+                    </a:lnT>
+                    <a:lnB w="12700" cap="flat" cmpd="sng">
+                      <a:solidFill>
+                        <a:schemeClr val="dk1"/>
+                      </a:solidFill>
+                      <a:prstDash val="solid"/>
+                      <a:round/>
+                      <a:headEnd type="none" w="sm" len="sm"/>
+                      <a:tailEnd type="none" w="sm" len="sm"/>
+                    </a:lnB>
+                    <a:solidFill>
+                      <a:schemeClr val="lt1"/>
+                    </a:solidFill>
+                  </a:tcPr>
+                </a:tc>
+                <a:tc>
+                  <a:txBody>
+                    <a:bodyPr/>
+                    <a:lstStyle/>
+                    <a:p>
+                      <a:pPr marL="0" marR="0" lvl="0" indent="0" algn="l" rtl="0">
+                        <a:lnSpc>
+                          <a:spcPct val="100000"/>
+                        </a:lnSpc>
+                        <a:spcBef>
+                          <a:spcPts val="0"/>
+                        </a:spcBef>
+                        <a:spcAft>
+                          <a:spcPts val="0"/>
+                        </a:spcAft>
+                        <a:buNone/>
+                      </a:pPr>
+                      <a:endParaRPr sz="1500" u="none" strike="noStrike" cap="none" dirty="0">
+                        <a:solidFill>
+                          <a:schemeClr val="dk1"/>
+                        </a:solidFill>
+                      </a:endParaRPr>
+                    </a:p>
+                  </a:txBody>
+                  <a:tcPr marL="91450" marR="91450" marT="45725" marB="45725">
+                    <a:lnL w="12700" cap="flat" cmpd="sng">
+                      <a:solidFill>
+                        <a:schemeClr val="dk1"/>
+                      </a:solidFill>
+                      <a:prstDash val="solid"/>
+                      <a:round/>
+                      <a:headEnd type="none" w="sm" len="sm"/>
+                      <a:tailEnd type="none" w="sm" len="sm"/>
+                    </a:lnL>
+                    <a:lnR w="12700" cap="flat" cmpd="sng">
+                      <a:solidFill>
+                        <a:schemeClr val="dk1"/>
+                      </a:solidFill>
+                      <a:prstDash val="solid"/>
+                      <a:round/>
+                      <a:headEnd type="none" w="sm" len="sm"/>
+                      <a:tailEnd type="none" w="sm" len="sm"/>
+                    </a:lnR>
+                    <a:lnT w="12700" cap="flat" cmpd="sng">
+                      <a:solidFill>
+                        <a:schemeClr val="dk1"/>
+                      </a:solidFill>
+                      <a:prstDash val="solid"/>
+                      <a:round/>
+                      <a:headEnd type="none" w="sm" len="sm"/>
+                      <a:tailEnd type="none" w="sm" len="sm"/>
+                    </a:lnT>
+                    <a:lnB w="12700" cap="flat" cmpd="sng">
+                      <a:solidFill>
+                        <a:schemeClr val="dk1"/>
+                      </a:solidFill>
+                      <a:prstDash val="solid"/>
+                      <a:round/>
+                      <a:headEnd type="none" w="sm" len="sm"/>
+                      <a:tailEnd type="none" w="sm" len="sm"/>
+                    </a:lnB>
+                    <a:solidFill>
+                      <a:schemeClr val="lt1"/>
+                    </a:solidFill>
+                  </a:tcPr>
+                </a:tc>
+              </a:tr>
+              <a:tr h="781250">
+                <a:tc>
+                  <a:txBody>
+                    <a:bodyPr/>
+                    <a:lstStyle/>
+                    <a:p>
+                      <a:pPr marL="0" marR="0" lvl="0" indent="0" algn="ctr" rtl="0">
+                        <a:lnSpc>
+                          <a:spcPct val="100000"/>
+                        </a:lnSpc>
+                        <a:spcBef>
+                          <a:spcPts val="0"/>
+                        </a:spcBef>
+                        <a:spcAft>
+                          <a:spcPts val="0"/>
+                        </a:spcAft>
+                        <a:buClr>
+                          <a:srgbClr val="000000"/>
+                        </a:buClr>
+                        <a:buSzPts val="1500"/>
+                        <a:buFont typeface="Arial"/>
+                        <a:buNone/>
+                      </a:pPr>
+                      <a:endParaRPr sz="1500" u="none" strike="noStrike" cap="none" dirty="0">
+                        <a:solidFill>
+                          <a:schemeClr val="dk1"/>
+                        </a:solidFill>
+                      </a:endParaRPr>
+                    </a:p>
+                  </a:txBody>
+                  <a:tcPr marL="91450" marR="91450" marT="45725" marB="45725" anchor="ctr">
+                    <a:lnL w="12700" cap="flat" cmpd="sng">
+                      <a:solidFill>
+                        <a:schemeClr val="dk1"/>
+                      </a:solidFill>
+                      <a:prstDash val="solid"/>
+                      <a:round/>
+                      <a:headEnd type="none" w="sm" len="sm"/>
+                      <a:tailEnd type="none" w="sm" len="sm"/>
+                    </a:lnL>
+                    <a:lnR w="12700" cap="flat" cmpd="sng">
+                      <a:solidFill>
+                        <a:schemeClr val="dk1"/>
+                      </a:solidFill>
+                      <a:prstDash val="solid"/>
+                      <a:round/>
+                      <a:headEnd type="none" w="sm" len="sm"/>
+                      <a:tailEnd type="none" w="sm" len="sm"/>
+                    </a:lnR>
+                    <a:lnT w="12700" cap="flat" cmpd="sng">
+                      <a:solidFill>
+                        <a:schemeClr val="dk1"/>
+                      </a:solidFill>
+                      <a:prstDash val="solid"/>
+                      <a:round/>
+                      <a:headEnd type="none" w="sm" len="sm"/>
+                      <a:tailEnd type="none" w="sm" len="sm"/>
+                    </a:lnT>
+                    <a:lnB w="12700" cap="flat" cmpd="sng">
+                      <a:solidFill>
+                        <a:schemeClr val="dk1"/>
+                      </a:solidFill>
+                      <a:prstDash val="solid"/>
+                      <a:round/>
+                      <a:headEnd type="none" w="sm" len="sm"/>
+                      <a:tailEnd type="none" w="sm" len="sm"/>
+                    </a:lnB>
+                    <a:solidFill>
+                      <a:schemeClr val="lt1"/>
+                    </a:solidFill>
+                  </a:tcPr>
+                </a:tc>
+                <a:tc>
+                  <a:txBody>
+                    <a:bodyPr/>
+                    <a:lstStyle/>
+                    <a:p>
+                      <a:pPr marL="0" marR="0" lvl="0" indent="0" algn="l" rtl="0">
+                        <a:lnSpc>
+                          <a:spcPct val="100000"/>
+                        </a:lnSpc>
+                        <a:spcBef>
+                          <a:spcPts val="0"/>
+                        </a:spcBef>
+                        <a:spcAft>
+                          <a:spcPts val="0"/>
+                        </a:spcAft>
+                        <a:buClr>
+                          <a:srgbClr val="000000"/>
+                        </a:buClr>
+                        <a:buSzPts val="1500"/>
+                        <a:buFont typeface="Arial"/>
+                        <a:buNone/>
+                      </a:pPr>
+                      <a:endParaRPr sz="1500" u="none" strike="noStrike" cap="none" dirty="0">
+                        <a:solidFill>
+                          <a:schemeClr val="dk1"/>
+                        </a:solidFill>
+                      </a:endParaRPr>
+                    </a:p>
+                  </a:txBody>
+                  <a:tcPr marL="91450" marR="91450" marT="45725" marB="45725">
+                    <a:lnL w="12700" cap="flat" cmpd="sng">
+                      <a:solidFill>
+                        <a:schemeClr val="dk1"/>
+                      </a:solidFill>
+                      <a:prstDash val="solid"/>
+                      <a:round/>
+                      <a:headEnd type="none" w="sm" len="sm"/>
+                      <a:tailEnd type="none" w="sm" len="sm"/>
+                    </a:lnL>
+                    <a:lnR w="12700" cap="flat" cmpd="sng">
+                      <a:solidFill>
+                        <a:schemeClr val="dk1"/>
+                      </a:solidFill>
+                      <a:prstDash val="solid"/>
+                      <a:round/>
+                      <a:headEnd type="none" w="sm" len="sm"/>
+                      <a:tailEnd type="none" w="sm" len="sm"/>
+                    </a:lnR>
+                    <a:lnT w="12700" cap="flat" cmpd="sng">
+                      <a:solidFill>
+                        <a:schemeClr val="dk1"/>
+                      </a:solidFill>
+                      <a:prstDash val="solid"/>
+                      <a:round/>
+                      <a:headEnd type="none" w="sm" len="sm"/>
+                      <a:tailEnd type="none" w="sm" len="sm"/>
+                    </a:lnT>
+                    <a:lnB w="12700" cap="flat" cmpd="sng">
+                      <a:solidFill>
+                        <a:schemeClr val="dk1"/>
+                      </a:solidFill>
+                      <a:prstDash val="solid"/>
+                      <a:round/>
+                      <a:headEnd type="none" w="sm" len="sm"/>
+                      <a:tailEnd type="none" w="sm" len="sm"/>
+                    </a:lnB>
+                    <a:solidFill>
+                      <a:schemeClr val="lt1"/>
+                    </a:solidFill>
+                  </a:tcPr>
+                </a:tc>
+              </a:tr>
+              <a:tr h="551475">
+                <a:tc>
+                  <a:txBody>
+                    <a:bodyPr/>
+                    <a:lstStyle/>
+                    <a:p>
+                      <a:pPr marL="0" marR="0" lvl="0" indent="0" algn="ctr" rtl="0">
+                        <a:lnSpc>
+                          <a:spcPct val="100000"/>
+                        </a:lnSpc>
+                        <a:spcBef>
+                          <a:spcPts val="0"/>
+                        </a:spcBef>
+                        <a:spcAft>
+                          <a:spcPts val="0"/>
+                        </a:spcAft>
+                        <a:buClr>
+                          <a:srgbClr val="000000"/>
+                        </a:buClr>
+                        <a:buSzPts val="1500"/>
+                        <a:buFont typeface="Arial"/>
+                        <a:buNone/>
+                      </a:pPr>
+                      <a:endParaRPr sz="1500" u="none" strike="noStrike" cap="none" dirty="0">
+                        <a:solidFill>
+                          <a:schemeClr val="dk1"/>
+                        </a:solidFill>
+                      </a:endParaRPr>
+                    </a:p>
+                  </a:txBody>
+                  <a:tcPr marL="91450" marR="91450" marT="45725" marB="45725" anchor="ctr">
+                    <a:lnL w="12700" cap="flat" cmpd="sng">
+                      <a:solidFill>
+                        <a:schemeClr val="dk1"/>
+                      </a:solidFill>
+                      <a:prstDash val="solid"/>
+                      <a:round/>
+                      <a:headEnd type="none" w="sm" len="sm"/>
+                      <a:tailEnd type="none" w="sm" len="sm"/>
+                    </a:lnL>
+                    <a:lnR w="12700" cap="flat" cmpd="sng">
+                      <a:solidFill>
+                        <a:schemeClr val="dk1"/>
+                      </a:solidFill>
+                      <a:prstDash val="solid"/>
+                      <a:round/>
+                      <a:headEnd type="none" w="sm" len="sm"/>
+                      <a:tailEnd type="none" w="sm" len="sm"/>
+                    </a:lnR>
+                    <a:lnT w="12700" cap="flat" cmpd="sng">
+                      <a:solidFill>
+                        <a:schemeClr val="dk1"/>
+                      </a:solidFill>
+                      <a:prstDash val="solid"/>
+                      <a:round/>
+                      <a:headEnd type="none" w="sm" len="sm"/>
+                      <a:tailEnd type="none" w="sm" len="sm"/>
+                    </a:lnT>
+                    <a:lnB w="12700" cap="flat" cmpd="sng">
+                      <a:solidFill>
+                        <a:schemeClr val="dk1"/>
+                      </a:solidFill>
+                      <a:prstDash val="solid"/>
+                      <a:round/>
+                      <a:headEnd type="none" w="sm" len="sm"/>
+                      <a:tailEnd type="none" w="sm" len="sm"/>
+                    </a:lnB>
+                    <a:solidFill>
+                      <a:schemeClr val="lt1"/>
+                    </a:solidFill>
+                  </a:tcPr>
+                </a:tc>
+                <a:tc>
+                  <a:txBody>
+                    <a:bodyPr/>
+                    <a:lstStyle/>
+                    <a:p>
+                      <a:pPr marL="0" marR="0" lvl="0" indent="0" algn="l" rtl="0">
+                        <a:lnSpc>
+                          <a:spcPct val="100000"/>
+                        </a:lnSpc>
+                        <a:spcBef>
+                          <a:spcPts val="0"/>
+                        </a:spcBef>
+                        <a:spcAft>
+                          <a:spcPts val="0"/>
+                        </a:spcAft>
+                        <a:buClr>
+                          <a:srgbClr val="000000"/>
+                        </a:buClr>
+                        <a:buSzPts val="1500"/>
+                        <a:buFont typeface="Arial"/>
+                        <a:buNone/>
+                      </a:pPr>
+                      <a:endParaRPr sz="1500" u="none" strike="noStrike" cap="none" dirty="0">
+                        <a:solidFill>
+                          <a:schemeClr val="dk1"/>
+                        </a:solidFill>
+                      </a:endParaRPr>
+                    </a:p>
+                  </a:txBody>
+                  <a:tcPr marL="91450" marR="91450" marT="45725" marB="45725">
+                    <a:lnL w="12700" cap="flat" cmpd="sng">
+                      <a:solidFill>
+                        <a:schemeClr val="dk1"/>
+                      </a:solidFill>
+                      <a:prstDash val="solid"/>
+                      <a:round/>
+                      <a:headEnd type="none" w="sm" len="sm"/>
+                      <a:tailEnd type="none" w="sm" len="sm"/>
+                    </a:lnL>
+                    <a:lnR w="12700" cap="flat" cmpd="sng">
+                      <a:solidFill>
+                        <a:schemeClr val="dk1"/>
+                      </a:solidFill>
+                      <a:prstDash val="solid"/>
+                      <a:round/>
+                      <a:headEnd type="none" w="sm" len="sm"/>
+                      <a:tailEnd type="none" w="sm" len="sm"/>
+                    </a:lnR>
+                    <a:lnT w="12700" cap="flat" cmpd="sng">
+                      <a:solidFill>
+                        <a:schemeClr val="dk1"/>
+                      </a:solidFill>
+                      <a:prstDash val="solid"/>
+                      <a:round/>
+                      <a:headEnd type="none" w="sm" len="sm"/>
+                      <a:tailEnd type="none" w="sm" len="sm"/>
+                    </a:lnT>
+                    <a:lnB w="12700" cap="flat" cmpd="sng">
+                      <a:solidFill>
+                        <a:schemeClr val="dk1"/>
+                      </a:solidFill>
+                      <a:prstDash val="solid"/>
+                      <a:round/>
+                      <a:headEnd type="none" w="sm" len="sm"/>
+                      <a:tailEnd type="none" w="sm" len="sm"/>
+                    </a:lnB>
+                    <a:solidFill>
+                      <a:schemeClr val="lt1"/>
+                    </a:solidFill>
+                  </a:tcPr>
+                </a:tc>
+              </a:tr>
+              <a:tr h="644050">
+                <a:tc>
+                  <a:txBody>
+                    <a:bodyPr/>
+                    <a:lstStyle/>
+                    <a:p>
+                      <a:pPr marL="0" marR="0" lvl="0" indent="0" algn="ctr" rtl="0">
+                        <a:lnSpc>
+                          <a:spcPct val="100000"/>
+                        </a:lnSpc>
+                        <a:spcBef>
+                          <a:spcPts val="0"/>
+                        </a:spcBef>
+                        <a:spcAft>
+                          <a:spcPts val="0"/>
+                        </a:spcAft>
+                        <a:buClr>
+                          <a:srgbClr val="000000"/>
+                        </a:buClr>
+                        <a:buSzPts val="1500"/>
+                        <a:buFont typeface="Arial"/>
+                        <a:buNone/>
+                      </a:pPr>
+                      <a:endParaRPr sz="1500" u="none" strike="noStrike" cap="none" dirty="0">
+                        <a:solidFill>
+                          <a:schemeClr val="dk1"/>
+                        </a:solidFill>
+                      </a:endParaRPr>
+                    </a:p>
+                  </a:txBody>
+                  <a:tcPr marL="91450" marR="91450" marT="45725" marB="45725" anchor="ctr">
+                    <a:lnL w="12700" cap="flat" cmpd="sng">
+                      <a:solidFill>
+                        <a:schemeClr val="dk1"/>
+                      </a:solidFill>
+                      <a:prstDash val="solid"/>
+                      <a:round/>
+                      <a:headEnd type="none" w="sm" len="sm"/>
+                      <a:tailEnd type="none" w="sm" len="sm"/>
+                    </a:lnL>
+                    <a:lnR w="12700" cap="flat" cmpd="sng">
+                      <a:solidFill>
+                        <a:schemeClr val="dk1"/>
+                      </a:solidFill>
+                      <a:prstDash val="solid"/>
+                      <a:round/>
+                      <a:headEnd type="none" w="sm" len="sm"/>
+                      <a:tailEnd type="none" w="sm" len="sm"/>
+                    </a:lnR>
+                    <a:lnT w="12700" cap="flat" cmpd="sng">
+                      <a:solidFill>
+                        <a:schemeClr val="dk1"/>
+                      </a:solidFill>
+                      <a:prstDash val="solid"/>
+                      <a:round/>
+                      <a:headEnd type="none" w="sm" len="sm"/>
+                      <a:tailEnd type="none" w="sm" len="sm"/>
+                    </a:lnT>
+                    <a:lnB w="12700" cap="flat" cmpd="sng">
+                      <a:solidFill>
+                        <a:schemeClr val="dk1"/>
+                      </a:solidFill>
+                      <a:prstDash val="solid"/>
+                      <a:round/>
+                      <a:headEnd type="none" w="sm" len="sm"/>
+                      <a:tailEnd type="none" w="sm" len="sm"/>
+                    </a:lnB>
+                    <a:solidFill>
+                      <a:schemeClr val="lt1"/>
+                    </a:solidFill>
+                  </a:tcPr>
+                </a:tc>
+                <a:tc>
+                  <a:txBody>
+                    <a:bodyPr/>
+                    <a:lstStyle/>
+                    <a:p>
+                      <a:pPr marL="0" marR="0" lvl="0" indent="0" algn="l" rtl="0">
+                        <a:lnSpc>
+                          <a:spcPct val="100000"/>
+                        </a:lnSpc>
+                        <a:spcBef>
+                          <a:spcPts val="0"/>
+                        </a:spcBef>
+                        <a:spcAft>
+                          <a:spcPts val="0"/>
+                        </a:spcAft>
+                        <a:buClr>
+                          <a:srgbClr val="000000"/>
+                        </a:buClr>
+                        <a:buSzPts val="1500"/>
+                        <a:buFont typeface="Arial"/>
+                        <a:buNone/>
+                      </a:pPr>
+                      <a:endParaRPr sz="1500" u="none" strike="noStrike" cap="none" dirty="0">
+                        <a:solidFill>
+                          <a:schemeClr val="dk1"/>
+                        </a:solidFill>
+                      </a:endParaRPr>
+                    </a:p>
+                  </a:txBody>
+                  <a:tcPr marL="91450" marR="91450" marT="45725" marB="45725">
+                    <a:lnL w="12700" cap="flat" cmpd="sng">
+                      <a:solidFill>
+                        <a:schemeClr val="dk1"/>
+                      </a:solidFill>
+                      <a:prstDash val="solid"/>
+                      <a:round/>
+                      <a:headEnd type="none" w="sm" len="sm"/>
+                      <a:tailEnd type="none" w="sm" len="sm"/>
+                    </a:lnL>
+                    <a:lnR w="12700" cap="flat" cmpd="sng">
+                      <a:solidFill>
+                        <a:schemeClr val="dk1"/>
+                      </a:solidFill>
+                      <a:prstDash val="solid"/>
+                      <a:round/>
+                      <a:headEnd type="none" w="sm" len="sm"/>
+                      <a:tailEnd type="none" w="sm" len="sm"/>
+                    </a:lnR>
+                    <a:lnT w="12700" cap="flat" cmpd="sng">
+                      <a:solidFill>
+                        <a:schemeClr val="dk1"/>
+                      </a:solidFill>
+                      <a:prstDash val="solid"/>
+                      <a:round/>
+                      <a:headEnd type="none" w="sm" len="sm"/>
+                      <a:tailEnd type="none" w="sm" len="sm"/>
+                    </a:lnT>
+                    <a:lnB w="12700" cap="flat" cmpd="sng">
+                      <a:solidFill>
+                        <a:schemeClr val="dk1"/>
+                      </a:solidFill>
+                      <a:prstDash val="solid"/>
+                      <a:round/>
+                      <a:headEnd type="none" w="sm" len="sm"/>
+                      <a:tailEnd type="none" w="sm" len="sm"/>
+                    </a:lnB>
+                    <a:solidFill>
+                      <a:schemeClr val="lt1"/>
+                    </a:solidFill>
+                  </a:tcPr>
+                </a:tc>
+              </a:tr>
+              <a:tr h="562225">
+                <a:tc>
+                  <a:txBody>
+                    <a:bodyPr/>
+                    <a:lstStyle/>
+                    <a:p>
+                      <a:pPr marL="0" marR="0" lvl="0" indent="0" algn="ctr" rtl="0">
+                        <a:lnSpc>
+                          <a:spcPct val="100000"/>
+                        </a:lnSpc>
+                        <a:spcBef>
+                          <a:spcPts val="0"/>
+                        </a:spcBef>
+                        <a:spcAft>
+                          <a:spcPts val="0"/>
+                        </a:spcAft>
+                        <a:buNone/>
+                      </a:pPr>
+                      <a:endParaRPr sz="1500" dirty="0"/>
+                    </a:p>
+                  </a:txBody>
+                  <a:tcPr marL="91450" marR="91450" marT="45725" marB="45725" anchor="ctr">
+                    <a:lnL w="12700" cap="flat" cmpd="sng">
+                      <a:solidFill>
+                        <a:schemeClr val="dk1"/>
+                      </a:solidFill>
+                      <a:prstDash val="solid"/>
+                      <a:round/>
+                      <a:headEnd type="none" w="sm" len="sm"/>
+                      <a:tailEnd type="none" w="sm" len="sm"/>
+                    </a:lnL>
+                    <a:lnR w="12700" cap="flat" cmpd="sng">
+                      <a:solidFill>
+                        <a:schemeClr val="dk1"/>
+                      </a:solidFill>
+                      <a:prstDash val="solid"/>
+                      <a:round/>
+                      <a:headEnd type="none" w="sm" len="sm"/>
+                      <a:tailEnd type="none" w="sm" len="sm"/>
+                    </a:lnR>
+                    <a:lnT w="12700" cap="flat" cmpd="sng">
+                      <a:solidFill>
+                        <a:schemeClr val="dk1"/>
+                      </a:solidFill>
+                      <a:prstDash val="solid"/>
+                      <a:round/>
+                      <a:headEnd type="none" w="sm" len="sm"/>
+                      <a:tailEnd type="none" w="sm" len="sm"/>
+                    </a:lnT>
+                    <a:lnB w="12700" cap="flat" cmpd="sng">
+                      <a:solidFill>
+                        <a:schemeClr val="dk1"/>
+                      </a:solidFill>
+                      <a:prstDash val="solid"/>
+                      <a:round/>
+                      <a:headEnd type="none" w="sm" len="sm"/>
+                      <a:tailEnd type="none" w="sm" len="sm"/>
+                    </a:lnB>
+                    <a:solidFill>
+                      <a:schemeClr val="lt1"/>
+                    </a:solidFill>
+                  </a:tcPr>
+                </a:tc>
+                <a:tc>
+                  <a:txBody>
+                    <a:bodyPr/>
+                    <a:lstStyle/>
+                    <a:p>
+                      <a:pPr marL="0" marR="0" lvl="0" indent="0" algn="l" rtl="0">
+                        <a:lnSpc>
+                          <a:spcPct val="100000"/>
+                        </a:lnSpc>
+                        <a:spcBef>
+                          <a:spcPts val="0"/>
+                        </a:spcBef>
+                        <a:spcAft>
+                          <a:spcPts val="0"/>
+                        </a:spcAft>
+                        <a:buNone/>
+                      </a:pPr>
+                      <a:endParaRPr sz="1500" dirty="0"/>
+                    </a:p>
+                  </a:txBody>
+                  <a:tcPr marL="91450" marR="91450" marT="45725" marB="45725">
+                    <a:lnL w="12700" cap="flat" cmpd="sng">
+                      <a:solidFill>
+                        <a:schemeClr val="dk1"/>
+                      </a:solidFill>
+                      <a:prstDash val="solid"/>
+                      <a:round/>
+                      <a:headEnd type="none" w="sm" len="sm"/>
+                      <a:tailEnd type="none" w="sm" len="sm"/>
+                    </a:lnL>
+                    <a:lnR w="12700" cap="flat" cmpd="sng">
+                      <a:solidFill>
+                        <a:schemeClr val="dk1"/>
+                      </a:solidFill>
+                      <a:prstDash val="solid"/>
+                      <a:round/>
+                      <a:headEnd type="none" w="sm" len="sm"/>
+                      <a:tailEnd type="none" w="sm" len="sm"/>
+                    </a:lnR>
+                    <a:lnT w="12700" cap="flat" cmpd="sng">
+                      <a:solidFill>
+                        <a:schemeClr val="dk1"/>
+                      </a:solidFill>
+                      <a:prstDash val="solid"/>
+                      <a:round/>
+                      <a:headEnd type="none" w="sm" len="sm"/>
+                      <a:tailEnd type="none" w="sm" len="sm"/>
+                    </a:lnT>
+                    <a:lnB w="12700" cap="flat" cmpd="sng">
+                      <a:solidFill>
+                        <a:schemeClr val="dk1"/>
+                      </a:solidFill>
+                      <a:prstDash val="solid"/>
+                      <a:round/>
+                      <a:headEnd type="none" w="sm" len="sm"/>
+                      <a:tailEnd type="none" w="sm" len="sm"/>
+                    </a:lnB>
+                    <a:solidFill>
+                      <a:schemeClr val="lt1"/>
+                    </a:solidFill>
+                  </a:tcPr>
+                </a:tc>
+              </a:tr>
+              <a:tr h="892175">
+                <a:tc>
+                  <a:txBody>
+                    <a:bodyPr/>
+                    <a:lstStyle/>
+                    <a:p>
+                      <a:pPr marL="0" marR="0" lvl="0" indent="0" algn="ctr" rtl="0">
+                        <a:lnSpc>
+                          <a:spcPct val="100000"/>
+                        </a:lnSpc>
+                        <a:spcBef>
+                          <a:spcPts val="0"/>
+                        </a:spcBef>
+                        <a:spcAft>
+                          <a:spcPts val="0"/>
+                        </a:spcAft>
+                        <a:buNone/>
+                      </a:pPr>
+                      <a:endParaRPr sz="1500" dirty="0"/>
+                    </a:p>
+                  </a:txBody>
+                  <a:tcPr marL="91450" marR="91450" marT="45725" marB="45725" anchor="ctr">
+                    <a:lnL w="12700" cap="flat" cmpd="sng">
+                      <a:solidFill>
+                        <a:schemeClr val="dk1"/>
+                      </a:solidFill>
+                      <a:prstDash val="solid"/>
+                      <a:round/>
+                      <a:headEnd type="none" w="sm" len="sm"/>
+                      <a:tailEnd type="none" w="sm" len="sm"/>
+                    </a:lnL>
+                    <a:lnR w="12700" cap="flat" cmpd="sng">
+                      <a:solidFill>
+                        <a:schemeClr val="dk1"/>
+                      </a:solidFill>
+                      <a:prstDash val="solid"/>
+                      <a:round/>
+                      <a:headEnd type="none" w="sm" len="sm"/>
+                      <a:tailEnd type="none" w="sm" len="sm"/>
+                    </a:lnR>
+                    <a:lnT w="12700" cap="flat" cmpd="sng">
+                      <a:solidFill>
+                        <a:schemeClr val="dk1"/>
+                      </a:solidFill>
+                      <a:prstDash val="solid"/>
+                      <a:round/>
+                      <a:headEnd type="none" w="sm" len="sm"/>
+                      <a:tailEnd type="none" w="sm" len="sm"/>
+                    </a:lnT>
+                    <a:lnB w="12700" cap="flat" cmpd="sng">
+                      <a:solidFill>
+                        <a:schemeClr val="dk1"/>
+                      </a:solidFill>
+                      <a:prstDash val="solid"/>
+                      <a:round/>
+                      <a:headEnd type="none" w="sm" len="sm"/>
+                      <a:tailEnd type="none" w="sm" len="sm"/>
+                    </a:lnB>
+                    <a:solidFill>
+                      <a:schemeClr val="lt1"/>
+                    </a:solidFill>
+                  </a:tcPr>
+                </a:tc>
+                <a:tc>
+                  <a:txBody>
+                    <a:bodyPr/>
+                    <a:lstStyle/>
+                    <a:p>
+                      <a:pPr marL="0" marR="0" lvl="0" indent="0" algn="l" rtl="0">
+                        <a:lnSpc>
+                          <a:spcPct val="100000"/>
+                        </a:lnSpc>
+                        <a:spcBef>
+                          <a:spcPts val="0"/>
+                        </a:spcBef>
+                        <a:spcAft>
+                          <a:spcPts val="0"/>
+                        </a:spcAft>
+                        <a:buNone/>
+                      </a:pPr>
+                      <a:endParaRPr sz="1500" dirty="0"/>
+                    </a:p>
+                  </a:txBody>
+                  <a:tcPr marL="91450" marR="91450" marT="45725" marB="45725">
+                    <a:lnL w="12700" cap="flat" cmpd="sng">
+                      <a:solidFill>
+                        <a:schemeClr val="dk1"/>
+                      </a:solidFill>
+                      <a:prstDash val="solid"/>
+                      <a:round/>
+                      <a:headEnd type="none" w="sm" len="sm"/>
+                      <a:tailEnd type="none" w="sm" len="sm"/>
+                    </a:lnL>
+                    <a:lnR w="12700" cap="flat" cmpd="sng">
+                      <a:solidFill>
+                        <a:schemeClr val="dk1"/>
+                      </a:solidFill>
+                      <a:prstDash val="solid"/>
+                      <a:round/>
+                      <a:headEnd type="none" w="sm" len="sm"/>
+                      <a:tailEnd type="none" w="sm" len="sm"/>
+                    </a:lnR>
+                    <a:lnT w="12700" cap="flat" cmpd="sng">
+                      <a:solidFill>
+                        <a:schemeClr val="dk1"/>
+                      </a:solidFill>
+                      <a:prstDash val="solid"/>
+                      <a:round/>
+                      <a:headEnd type="none" w="sm" len="sm"/>
+                      <a:tailEnd type="none" w="sm" len="sm"/>
+                    </a:lnT>
+                    <a:lnB w="12700" cap="flat" cmpd="sng">
+                      <a:solidFill>
+                        <a:schemeClr val="dk1"/>
+                      </a:solidFill>
+                      <a:prstDash val="solid"/>
+                      <a:round/>
+                      <a:headEnd type="none" w="sm" len="sm"/>
+                      <a:tailEnd type="none" w="sm" len="sm"/>
+                    </a:lnB>
+                    <a:solidFill>
+                      <a:schemeClr val="lt1"/>
+                    </a:solidFill>
+                  </a:tcPr>
+                </a:tc>
+              </a:tr>
+            </a:tbl>
+          </a:graphicData>
+        </a:graphic>
+      </p:graphicFrame>
+      <p:sp>
+        <p:nvSpPr>
+          <p:cNvPr id="173" name="Google Shape;173;g7c553259d1_0_81"/>
+          <p:cNvSpPr/>
+          <p:nvPr/>
+        </p:nvSpPr>
+        <p:spPr>
+          <a:xfrm>
+            <a:off x="4672970" y="783913"/>
+            <a:ext cx="302700" cy="324600"/>
+          </a:xfrm>
+          <a:prstGeom prst="rect">
+            <a:avLst/>
+          </a:prstGeom>
+          <a:solidFill>
+            <a:srgbClr val="FF0000"/>
+          </a:solidFill>
+          <a:ln>
+            <a:noFill/>
+          </a:ln>
+        </p:spPr>
+        <p:txBody>
+          <a:bodyPr spcFirstLastPara="1" wrap="square" lIns="91425" tIns="45700" rIns="91425" bIns="45700" anchor="ctr" anchorCtr="0">
+            <a:noAutofit/>
+          </a:bodyPr>
+          <a:lstStyle/>
+          <a:p>
+            <a:pPr marL="0" marR="0" lvl="0" indent="0" algn="ctr" rtl="0">
+              <a:lnSpc>
+                <a:spcPct val="100000"/>
+              </a:lnSpc>
+              <a:spcBef>
+                <a:spcPts val="0"/>
+              </a:spcBef>
+              <a:spcAft>
+                <a:spcPts val="0"/>
+              </a:spcAft>
+              <a:buClr>
+                <a:srgbClr val="000000"/>
+              </a:buClr>
+              <a:buSzPts val="1800"/>
+              <a:buFont typeface="Arial"/>
+              <a:buNone/>
+            </a:pPr>
+            <a:r>
+              <a:rPr lang="ko-KR" sz="1800" b="1" i="0" u="none" strike="noStrike" cap="none" dirty="0">
+                <a:solidFill>
+                  <a:schemeClr val="dk1"/>
+                </a:solidFill>
+                <a:latin typeface="Malgun Gothic"/>
+                <a:ea typeface="Malgun Gothic"/>
+                <a:cs typeface="Malgun Gothic"/>
+                <a:sym typeface="Malgun Gothic"/>
+              </a:rPr>
+              <a:t>1</a:t>
+            </a:r>
+            <a:endParaRPr sz="1800" b="1" i="0" u="none" strike="noStrike" cap="none" dirty="0">
+              <a:solidFill>
+                <a:schemeClr val="dk1"/>
+              </a:solidFill>
+              <a:latin typeface="Malgun Gothic"/>
+              <a:ea typeface="Malgun Gothic"/>
+              <a:cs typeface="Malgun Gothic"/>
+              <a:sym typeface="Malgun Gothic"/>
+            </a:endParaRPr>
+          </a:p>
+        </p:txBody>
+      </p:sp>
+      <p:sp>
+        <p:nvSpPr>
+          <p:cNvPr id="174" name="Google Shape;174;g7c553259d1_0_81"/>
+          <p:cNvSpPr/>
+          <p:nvPr/>
+        </p:nvSpPr>
+        <p:spPr>
+          <a:xfrm>
+            <a:off x="5137963" y="783913"/>
+            <a:ext cx="302700" cy="324600"/>
+          </a:xfrm>
+          <a:prstGeom prst="rect">
+            <a:avLst/>
+          </a:prstGeom>
+          <a:solidFill>
+            <a:srgbClr val="FF0000"/>
+          </a:solidFill>
+          <a:ln>
+            <a:noFill/>
+          </a:ln>
+        </p:spPr>
+        <p:txBody>
+          <a:bodyPr spcFirstLastPara="1" wrap="square" lIns="91425" tIns="45700" rIns="91425" bIns="45700" anchor="ctr" anchorCtr="0">
+            <a:noAutofit/>
+          </a:bodyPr>
+          <a:lstStyle/>
+          <a:p>
+            <a:pPr marL="0" marR="0" lvl="0" indent="0" algn="ctr" rtl="0">
+              <a:lnSpc>
+                <a:spcPct val="100000"/>
+              </a:lnSpc>
+              <a:spcBef>
+                <a:spcPts val="0"/>
+              </a:spcBef>
+              <a:spcAft>
+                <a:spcPts val="0"/>
+              </a:spcAft>
+              <a:buClr>
+                <a:srgbClr val="000000"/>
+              </a:buClr>
+              <a:buSzPts val="1800"/>
+              <a:buFont typeface="Arial"/>
+              <a:buNone/>
+            </a:pPr>
+            <a:r>
+              <a:rPr lang="ko-KR" sz="1800" b="1" i="0" u="none" strike="noStrike" cap="none" dirty="0">
+                <a:solidFill>
+                  <a:schemeClr val="dk1"/>
+                </a:solidFill>
+                <a:latin typeface="Malgun Gothic"/>
+                <a:ea typeface="Malgun Gothic"/>
+                <a:cs typeface="Malgun Gothic"/>
+                <a:sym typeface="Malgun Gothic"/>
+              </a:rPr>
+              <a:t>2</a:t>
+            </a:r>
+            <a:endParaRPr sz="1800" b="1" i="0" u="none" strike="noStrike" cap="none" dirty="0">
+              <a:solidFill>
+                <a:schemeClr val="dk1"/>
+              </a:solidFill>
+              <a:latin typeface="Malgun Gothic"/>
+              <a:ea typeface="Malgun Gothic"/>
+              <a:cs typeface="Malgun Gothic"/>
+              <a:sym typeface="Malgun Gothic"/>
+            </a:endParaRPr>
+          </a:p>
+        </p:txBody>
+      </p:sp>
+      <p:sp>
+        <p:nvSpPr>
+          <p:cNvPr id="196" name="Google Shape;196;g7c553259d1_0_81"/>
+          <p:cNvSpPr/>
+          <p:nvPr/>
+        </p:nvSpPr>
+        <p:spPr>
+          <a:xfrm>
+            <a:off x="5602956" y="783913"/>
+            <a:ext cx="302700" cy="324600"/>
+          </a:xfrm>
+          <a:prstGeom prst="rect">
+            <a:avLst/>
+          </a:prstGeom>
+          <a:solidFill>
+            <a:srgbClr val="FF0000"/>
+          </a:solidFill>
+          <a:ln>
+            <a:noFill/>
+          </a:ln>
+        </p:spPr>
+        <p:txBody>
+          <a:bodyPr spcFirstLastPara="1" wrap="square" lIns="91425" tIns="45700" rIns="91425" bIns="45700" anchor="ctr" anchorCtr="0">
+            <a:noAutofit/>
+          </a:bodyPr>
+          <a:lstStyle/>
+          <a:p>
+            <a:pPr marL="0" marR="0" lvl="0" indent="0" algn="ctr" rtl="0">
+              <a:lnSpc>
+                <a:spcPct val="100000"/>
+              </a:lnSpc>
+              <a:spcBef>
+                <a:spcPts val="0"/>
+              </a:spcBef>
+              <a:spcAft>
+                <a:spcPts val="0"/>
+              </a:spcAft>
+              <a:buClr>
+                <a:srgbClr val="000000"/>
+              </a:buClr>
+              <a:buSzPts val="1800"/>
+              <a:buFont typeface="Arial"/>
+              <a:buNone/>
+            </a:pPr>
+            <a:r>
+              <a:rPr lang="ko-KR" sz="1800" b="1" i="0" u="none" strike="noStrike" cap="none" dirty="0">
+                <a:solidFill>
+                  <a:schemeClr val="dk1"/>
+                </a:solidFill>
+                <a:latin typeface="Malgun Gothic"/>
+                <a:ea typeface="Malgun Gothic"/>
+                <a:cs typeface="Malgun Gothic"/>
+                <a:sym typeface="Malgun Gothic"/>
+              </a:rPr>
+              <a:t>3</a:t>
+            </a:r>
+            <a:endParaRPr sz="1800" b="1" i="0" u="none" strike="noStrike" cap="none" dirty="0">
+              <a:solidFill>
+                <a:schemeClr val="dk1"/>
+              </a:solidFill>
+              <a:latin typeface="Malgun Gothic"/>
+              <a:ea typeface="Malgun Gothic"/>
+              <a:cs typeface="Malgun Gothic"/>
+              <a:sym typeface="Malgun Gothic"/>
+            </a:endParaRPr>
+          </a:p>
+        </p:txBody>
+      </p:sp>
+      <p:sp>
+        <p:nvSpPr>
+          <p:cNvPr id="204" name="Google Shape;204;g7c553259d1_0_81"/>
+          <p:cNvSpPr/>
+          <p:nvPr/>
+        </p:nvSpPr>
+        <p:spPr>
+          <a:xfrm>
+            <a:off x="6997933" y="783913"/>
+            <a:ext cx="302700" cy="324600"/>
+          </a:xfrm>
+          <a:prstGeom prst="rect">
+            <a:avLst/>
+          </a:prstGeom>
+          <a:solidFill>
+            <a:srgbClr val="FF0000"/>
+          </a:solidFill>
+          <a:ln>
+            <a:noFill/>
+          </a:ln>
+        </p:spPr>
+        <p:txBody>
+          <a:bodyPr spcFirstLastPara="1" wrap="square" lIns="91425" tIns="45700" rIns="91425" bIns="45700" anchor="ctr" anchorCtr="0">
+            <a:noAutofit/>
+          </a:bodyPr>
+          <a:lstStyle/>
+          <a:p>
+            <a:pPr marL="0" marR="0" lvl="0" indent="0" algn="ctr" rtl="0">
+              <a:lnSpc>
+                <a:spcPct val="100000"/>
+              </a:lnSpc>
+              <a:spcBef>
+                <a:spcPts val="0"/>
+              </a:spcBef>
+              <a:spcAft>
+                <a:spcPts val="0"/>
+              </a:spcAft>
+              <a:buClr>
+                <a:srgbClr val="000000"/>
+              </a:buClr>
+              <a:buSzPts val="1800"/>
+              <a:buFont typeface="Arial"/>
+              <a:buNone/>
+            </a:pPr>
+            <a:r>
+              <a:rPr lang="ko-KR" sz="1800" b="1" i="0" u="none" strike="noStrike" cap="none">
+                <a:solidFill>
+                  <a:schemeClr val="dk1"/>
+                </a:solidFill>
+                <a:latin typeface="Malgun Gothic"/>
+                <a:ea typeface="Malgun Gothic"/>
+                <a:cs typeface="Malgun Gothic"/>
+                <a:sym typeface="Malgun Gothic"/>
+              </a:rPr>
+              <a:t>6</a:t>
+            </a:r>
+            <a:endParaRPr sz="1800" b="1" i="0" u="none" strike="noStrike" cap="none">
+              <a:solidFill>
+                <a:schemeClr val="dk1"/>
+              </a:solidFill>
+              <a:latin typeface="Malgun Gothic"/>
+              <a:ea typeface="Malgun Gothic"/>
+              <a:cs typeface="Malgun Gothic"/>
+              <a:sym typeface="Malgun Gothic"/>
+            </a:endParaRPr>
+          </a:p>
+        </p:txBody>
+      </p:sp>
+      <p:sp>
+        <p:nvSpPr>
+          <p:cNvPr id="207" name="Google Shape;207;g7c553259d1_0_81"/>
+          <p:cNvSpPr/>
+          <p:nvPr/>
+        </p:nvSpPr>
+        <p:spPr>
+          <a:xfrm>
+            <a:off x="6067949" y="783913"/>
+            <a:ext cx="302700" cy="324600"/>
+          </a:xfrm>
+          <a:prstGeom prst="rect">
+            <a:avLst/>
+          </a:prstGeom>
+          <a:solidFill>
+            <a:srgbClr val="FF0000"/>
+          </a:solidFill>
+          <a:ln>
+            <a:noFill/>
+          </a:ln>
+        </p:spPr>
+        <p:txBody>
+          <a:bodyPr spcFirstLastPara="1" wrap="square" lIns="91425" tIns="45700" rIns="91425" bIns="45700" anchor="ctr" anchorCtr="0">
+            <a:noAutofit/>
+          </a:bodyPr>
+          <a:lstStyle/>
+          <a:p>
+            <a:pPr marL="0" marR="0" lvl="0" indent="0" algn="ctr" rtl="0">
+              <a:lnSpc>
+                <a:spcPct val="100000"/>
+              </a:lnSpc>
+              <a:spcBef>
+                <a:spcPts val="0"/>
+              </a:spcBef>
+              <a:spcAft>
+                <a:spcPts val="0"/>
+              </a:spcAft>
+              <a:buClr>
+                <a:srgbClr val="000000"/>
+              </a:buClr>
+              <a:buSzPts val="1800"/>
+              <a:buFont typeface="Arial"/>
+              <a:buNone/>
+            </a:pPr>
+            <a:r>
+              <a:rPr lang="ko-KR" sz="1800" b="1" i="0" u="none" strike="noStrike" cap="none" dirty="0">
+                <a:solidFill>
+                  <a:schemeClr val="dk1"/>
+                </a:solidFill>
+                <a:latin typeface="Malgun Gothic"/>
+                <a:ea typeface="Malgun Gothic"/>
+                <a:cs typeface="Malgun Gothic"/>
+                <a:sym typeface="Malgun Gothic"/>
+              </a:rPr>
+              <a:t>4</a:t>
+            </a:r>
+            <a:endParaRPr sz="1800" b="1" i="0" u="none" strike="noStrike" cap="none" dirty="0">
+              <a:solidFill>
+                <a:schemeClr val="dk1"/>
+              </a:solidFill>
+              <a:latin typeface="Malgun Gothic"/>
+              <a:ea typeface="Malgun Gothic"/>
+              <a:cs typeface="Malgun Gothic"/>
+              <a:sym typeface="Malgun Gothic"/>
+            </a:endParaRPr>
+          </a:p>
+        </p:txBody>
+      </p:sp>
+      <p:sp>
+        <p:nvSpPr>
+          <p:cNvPr id="208" name="Google Shape;208;g7c553259d1_0_81"/>
+          <p:cNvSpPr/>
+          <p:nvPr/>
+        </p:nvSpPr>
+        <p:spPr>
+          <a:xfrm>
+            <a:off x="6532942" y="783913"/>
+            <a:ext cx="302700" cy="324600"/>
+          </a:xfrm>
+          <a:prstGeom prst="rect">
+            <a:avLst/>
+          </a:prstGeom>
+          <a:solidFill>
+            <a:srgbClr val="FF0000"/>
+          </a:solidFill>
+          <a:ln>
+            <a:noFill/>
+          </a:ln>
+        </p:spPr>
+        <p:txBody>
+          <a:bodyPr spcFirstLastPara="1" wrap="square" lIns="91425" tIns="45700" rIns="91425" bIns="45700" anchor="ctr" anchorCtr="0">
+            <a:noAutofit/>
+          </a:bodyPr>
+          <a:lstStyle/>
+          <a:p>
+            <a:pPr marL="0" marR="0" lvl="0" indent="0" algn="ctr" rtl="0">
+              <a:lnSpc>
+                <a:spcPct val="100000"/>
+              </a:lnSpc>
+              <a:spcBef>
+                <a:spcPts val="0"/>
+              </a:spcBef>
+              <a:spcAft>
+                <a:spcPts val="0"/>
+              </a:spcAft>
+              <a:buClr>
+                <a:srgbClr val="000000"/>
+              </a:buClr>
+              <a:buSzPts val="1800"/>
+              <a:buFont typeface="Arial"/>
+              <a:buNone/>
+            </a:pPr>
+            <a:r>
+              <a:rPr lang="ko-KR" sz="1800" b="1" i="0" u="none" strike="noStrike" cap="none">
+                <a:solidFill>
+                  <a:schemeClr val="dk1"/>
+                </a:solidFill>
+                <a:latin typeface="Malgun Gothic"/>
+                <a:ea typeface="Malgun Gothic"/>
+                <a:cs typeface="Malgun Gothic"/>
+                <a:sym typeface="Malgun Gothic"/>
+              </a:rPr>
+              <a:t>5</a:t>
+            </a:r>
+            <a:endParaRPr sz="1800" b="1" i="0" u="none" strike="noStrike" cap="none">
+              <a:solidFill>
+                <a:schemeClr val="dk1"/>
+              </a:solidFill>
+              <a:latin typeface="Malgun Gothic"/>
+              <a:ea typeface="Malgun Gothic"/>
+              <a:cs typeface="Malgun Gothic"/>
+              <a:sym typeface="Malgun Gothic"/>
+            </a:endParaRPr>
+          </a:p>
+        </p:txBody>
+      </p:sp>
+      <p:pic>
+        <p:nvPicPr>
+          <p:cNvPr id="3" name="그림 2"/>
+          <p:cNvPicPr>
+            <a:picLocks noChangeAspect="1"/>
+          </p:cNvPicPr>
+          <p:nvPr/>
+        </p:nvPicPr>
+        <p:blipFill>
+          <a:blip r:embed="rId3"/>
+          <a:stretch>
+            <a:fillRect/>
+          </a:stretch>
+        </p:blipFill>
+        <p:spPr>
+          <a:xfrm>
+            <a:off x="540286" y="1711946"/>
+            <a:ext cx="7067550" cy="4467225"/>
+          </a:xfrm>
+          <a:prstGeom prst="rect">
+            <a:avLst/>
+          </a:prstGeom>
+        </p:spPr>
+      </p:pic>
+    </p:spTree>
+    <p:extLst>
+      <p:ext uri="{BB962C8B-B14F-4D97-AF65-F5344CB8AC3E}">
+        <p14:creationId xmlns:p14="http://schemas.microsoft.com/office/powerpoint/2010/main" val="501802174"/>
+      </p:ext>
+    </p:extLst>
+  </p:cSld>
+  <p:clrMapOvr>
+    <a:masterClrMapping/>
+  </p:clrMapOvr>
+  <p:timing>
+    <p:tnLst>
+      <p:par>
+        <p:cTn id="1" dur="indefinite" restart="never" nodeType="tmRoot"/>
+      </p:par>
+    </p:tnLst>
+  </p:timing>
+</p:sld>
+</file>
+
 <file path=ppt/theme/theme1.xml><?xml version="1.0" encoding="utf-8"?>
 <a:theme xmlns:a="http://schemas.openxmlformats.org/drawingml/2006/main" name="Office 테마">
   <a:themeElements>
@@ -6674,7 +9341,7 @@
   <a:extraClrSchemeLst/>
   <a:extLst>
     <a:ext uri="{05A4C25C-085E-4340-85A3-A5531E510DB2}">
-      <thm15:themeFamily xmlns="" xmlns:thm15="http://schemas.microsoft.com/office/thememl/2012/main" name="Office Theme" id="{62F939B6-93AF-4DB8-9C6B-D6C7DFDC589F}" vid="{4A3C46E8-61CC-4603-A589-7422A47A8E4A}"/>
+      <thm15:themeFamily xmlns:thm15="http://schemas.microsoft.com/office/thememl/2012/main" name="Office Theme" id="{62F939B6-93AF-4DB8-9C6B-D6C7DFDC589F}" vid="{4A3C46E8-61CC-4603-A589-7422A47A8E4A}"/>
     </a:ext>
   </a:extLst>
 </a:theme>
@@ -6935,7 +9602,7 @@
   <a:extraClrSchemeLst/>
   <a:extLst>
     <a:ext uri="{05A4C25C-085E-4340-85A3-A5531E510DB2}">
-      <thm15:themeFamily xmlns="" xmlns:thm15="http://schemas.microsoft.com/office/thememl/2012/main" name="Office Theme" id="{62F939B6-93AF-4DB8-9C6B-D6C7DFDC589F}" vid="{4A3C46E8-61CC-4603-A589-7422A47A8E4A}"/>
+      <thm15:themeFamily xmlns:thm15="http://schemas.microsoft.com/office/thememl/2012/main" name="Office Theme" id="{62F939B6-93AF-4DB8-9C6B-D6C7DFDC589F}" vid="{4A3C46E8-61CC-4603-A589-7422A47A8E4A}"/>
     </a:ext>
   </a:extLst>
 </a:theme>
